--- a/sequence/SCMobile負責項目.pptx
+++ b/sequence/SCMobile負責項目.pptx
@@ -7,10 +7,25 @@
   <p:sldIdLst>
     <p:sldId id="256" r:id="rId2"/>
     <p:sldId id="257" r:id="rId3"/>
-    <p:sldId id="258" r:id="rId4"/>
-    <p:sldId id="259" r:id="rId5"/>
-    <p:sldId id="260" r:id="rId6"/>
-    <p:sldId id="261" r:id="rId7"/>
+    <p:sldId id="269" r:id="rId4"/>
+    <p:sldId id="270" r:id="rId5"/>
+    <p:sldId id="271" r:id="rId6"/>
+    <p:sldId id="272" r:id="rId7"/>
+    <p:sldId id="273" r:id="rId8"/>
+    <p:sldId id="274" r:id="rId9"/>
+    <p:sldId id="275" r:id="rId10"/>
+    <p:sldId id="276" r:id="rId11"/>
+    <p:sldId id="258" r:id="rId12"/>
+    <p:sldId id="259" r:id="rId13"/>
+    <p:sldId id="260" r:id="rId14"/>
+    <p:sldId id="262" r:id="rId15"/>
+    <p:sldId id="261" r:id="rId16"/>
+    <p:sldId id="264" r:id="rId17"/>
+    <p:sldId id="263" r:id="rId18"/>
+    <p:sldId id="265" r:id="rId19"/>
+    <p:sldId id="266" r:id="rId20"/>
+    <p:sldId id="268" r:id="rId21"/>
+    <p:sldId id="267" r:id="rId22"/>
   </p:sldIdLst>
   <p:sldSz cx="9144000" cy="6858000" type="screen4x3"/>
   <p:notesSz cx="6858000" cy="9144000"/>
@@ -118,16 +133,39 @@
             <p14:sldId id="257"/>
           </p14:sldIdLst>
         </p14:section>
+        <p14:section name="Cordova開發" id="{409D316C-CFB7-45D6-B748-4865B1B170DF}">
+          <p14:sldIdLst>
+            <p14:sldId id="269"/>
+            <p14:sldId id="270"/>
+            <p14:sldId id="271"/>
+            <p14:sldId id="272"/>
+            <p14:sldId id="273"/>
+            <p14:sldId id="274"/>
+            <p14:sldId id="275"/>
+            <p14:sldId id="276"/>
+          </p14:sldIdLst>
+        </p14:section>
         <p14:section name="InvestmentWebView" id="{BB991884-FF19-44E3-9F4D-19C541F59713}">
           <p14:sldIdLst>
             <p14:sldId id="258"/>
             <p14:sldId id="259"/>
             <p14:sldId id="260"/>
+            <p14:sldId id="262"/>
           </p14:sldIdLst>
         </p14:section>
         <p14:section name="geoFence" id="{8C0B84E7-2BF5-4D4B-92D9-820F95FDDC5D}">
           <p14:sldIdLst>
             <p14:sldId id="261"/>
+            <p14:sldId id="264"/>
+            <p14:sldId id="263"/>
+          </p14:sldIdLst>
+        </p14:section>
+        <p14:section name="Ibeacon" id="{22CBC4F0-8A69-4424-876C-611D846F1B89}">
+          <p14:sldIdLst>
+            <p14:sldId id="265"/>
+            <p14:sldId id="266"/>
+            <p14:sldId id="268"/>
+            <p14:sldId id="267"/>
           </p14:sldIdLst>
         </p14:section>
       </p14:sectionLst>
@@ -317,7 +355,7 @@
           <a:p>
             <a:fld id="{1D39E44A-8CCC-4FF5-B9F2-0D6F62C6FC44}" type="datetimeFigureOut">
               <a:rPr lang="zh-TW" altLang="en-US" smtClean="0"/>
-              <a:t>2018/8/17</a:t>
+              <a:t>2018/8/20</a:t>
             </a:fld>
             <a:endParaRPr lang="zh-TW" altLang="en-US"/>
           </a:p>
@@ -487,7 +525,7 @@
           <a:p>
             <a:fld id="{1D39E44A-8CCC-4FF5-B9F2-0D6F62C6FC44}" type="datetimeFigureOut">
               <a:rPr lang="zh-TW" altLang="en-US" smtClean="0"/>
-              <a:t>2018/8/17</a:t>
+              <a:t>2018/8/20</a:t>
             </a:fld>
             <a:endParaRPr lang="zh-TW" altLang="en-US"/>
           </a:p>
@@ -667,7 +705,7 @@
           <a:p>
             <a:fld id="{1D39E44A-8CCC-4FF5-B9F2-0D6F62C6FC44}" type="datetimeFigureOut">
               <a:rPr lang="zh-TW" altLang="en-US" smtClean="0"/>
-              <a:t>2018/8/17</a:t>
+              <a:t>2018/8/20</a:t>
             </a:fld>
             <a:endParaRPr lang="zh-TW" altLang="en-US"/>
           </a:p>
@@ -837,7 +875,7 @@
           <a:p>
             <a:fld id="{1D39E44A-8CCC-4FF5-B9F2-0D6F62C6FC44}" type="datetimeFigureOut">
               <a:rPr lang="zh-TW" altLang="en-US" smtClean="0"/>
-              <a:t>2018/8/17</a:t>
+              <a:t>2018/8/20</a:t>
             </a:fld>
             <a:endParaRPr lang="zh-TW" altLang="en-US"/>
           </a:p>
@@ -1083,7 +1121,7 @@
           <a:p>
             <a:fld id="{1D39E44A-8CCC-4FF5-B9F2-0D6F62C6FC44}" type="datetimeFigureOut">
               <a:rPr lang="zh-TW" altLang="en-US" smtClean="0"/>
-              <a:t>2018/8/17</a:t>
+              <a:t>2018/8/20</a:t>
             </a:fld>
             <a:endParaRPr lang="zh-TW" altLang="en-US"/>
           </a:p>
@@ -1371,7 +1409,7 @@
           <a:p>
             <a:fld id="{1D39E44A-8CCC-4FF5-B9F2-0D6F62C6FC44}" type="datetimeFigureOut">
               <a:rPr lang="zh-TW" altLang="en-US" smtClean="0"/>
-              <a:t>2018/8/17</a:t>
+              <a:t>2018/8/20</a:t>
             </a:fld>
             <a:endParaRPr lang="zh-TW" altLang="en-US"/>
           </a:p>
@@ -1793,7 +1831,7 @@
           <a:p>
             <a:fld id="{1D39E44A-8CCC-4FF5-B9F2-0D6F62C6FC44}" type="datetimeFigureOut">
               <a:rPr lang="zh-TW" altLang="en-US" smtClean="0"/>
-              <a:t>2018/8/17</a:t>
+              <a:t>2018/8/20</a:t>
             </a:fld>
             <a:endParaRPr lang="zh-TW" altLang="en-US"/>
           </a:p>
@@ -1911,7 +1949,7 @@
           <a:p>
             <a:fld id="{1D39E44A-8CCC-4FF5-B9F2-0D6F62C6FC44}" type="datetimeFigureOut">
               <a:rPr lang="zh-TW" altLang="en-US" smtClean="0"/>
-              <a:t>2018/8/17</a:t>
+              <a:t>2018/8/20</a:t>
             </a:fld>
             <a:endParaRPr lang="zh-TW" altLang="en-US"/>
           </a:p>
@@ -2006,7 +2044,7 @@
           <a:p>
             <a:fld id="{1D39E44A-8CCC-4FF5-B9F2-0D6F62C6FC44}" type="datetimeFigureOut">
               <a:rPr lang="zh-TW" altLang="en-US" smtClean="0"/>
-              <a:t>2018/8/17</a:t>
+              <a:t>2018/8/20</a:t>
             </a:fld>
             <a:endParaRPr lang="zh-TW" altLang="en-US"/>
           </a:p>
@@ -2283,7 +2321,7 @@
           <a:p>
             <a:fld id="{1D39E44A-8CCC-4FF5-B9F2-0D6F62C6FC44}" type="datetimeFigureOut">
               <a:rPr lang="zh-TW" altLang="en-US" smtClean="0"/>
-              <a:t>2018/8/17</a:t>
+              <a:t>2018/8/20</a:t>
             </a:fld>
             <a:endParaRPr lang="zh-TW" altLang="en-US"/>
           </a:p>
@@ -2536,7 +2574,7 @@
           <a:p>
             <a:fld id="{1D39E44A-8CCC-4FF5-B9F2-0D6F62C6FC44}" type="datetimeFigureOut">
               <a:rPr lang="zh-TW" altLang="en-US" smtClean="0"/>
-              <a:t>2018/8/17</a:t>
+              <a:t>2018/8/20</a:t>
             </a:fld>
             <a:endParaRPr lang="zh-TW" altLang="en-US"/>
           </a:p>
@@ -2749,7 +2787,7 @@
           <a:p>
             <a:fld id="{1D39E44A-8CCC-4FF5-B9F2-0D6F62C6FC44}" type="datetimeFigureOut">
               <a:rPr lang="zh-TW" altLang="en-US" smtClean="0"/>
-              <a:t>2018/8/17</a:t>
+              <a:t>2018/8/20</a:t>
             </a:fld>
             <a:endParaRPr lang="zh-TW" altLang="en-US"/>
           </a:p>
@@ -3139,7 +3177,30 @@
           <a:bodyPr/>
           <a:lstStyle/>
           <a:p>
-            <a:endParaRPr lang="zh-TW" altLang="en-US"/>
+            <a:r>
+              <a:rPr lang="en-US" altLang="zh-TW" dirty="0" smtClean="0"/>
+              <a:t>Cordova</a:t>
+            </a:r>
+            <a:r>
+              <a:rPr lang="zh-TW" altLang="en-US" dirty="0" smtClean="0"/>
+              <a:t>概念</a:t>
+            </a:r>
+            <a:r>
+              <a:rPr lang="en-US" altLang="zh-TW" dirty="0" smtClean="0"/>
+              <a:t/>
+            </a:r>
+            <a:br>
+              <a:rPr lang="en-US" altLang="zh-TW" dirty="0" smtClean="0"/>
+            </a:br>
+            <a:r>
+              <a:rPr lang="en-US" altLang="zh-TW" dirty="0" smtClean="0"/>
+              <a:t>&amp; </a:t>
+            </a:r>
+            <a:r>
+              <a:rPr lang="zh-TW" altLang="en-US" dirty="0" smtClean="0"/>
+              <a:t>功能交接</a:t>
+            </a:r>
+            <a:endParaRPr lang="zh-TW" altLang="en-US" dirty="0"/>
           </a:p>
         </p:txBody>
       </p:sp>
@@ -3158,7 +3219,11 @@
           <a:bodyPr/>
           <a:lstStyle/>
           <a:p>
-            <a:endParaRPr lang="zh-TW" altLang="en-US"/>
+            <a:r>
+              <a:rPr lang="en-US" altLang="zh-TW" dirty="0" err="1" smtClean="0"/>
+              <a:t>kota</a:t>
+            </a:r>
+            <a:endParaRPr lang="zh-TW" altLang="en-US" dirty="0"/>
           </a:p>
         </p:txBody>
       </p:sp>
@@ -3172,6 +3237,2143 @@
   <p:clrMapOvr>
     <a:masterClrMapping/>
   </p:clrMapOvr>
+</p:sld>
+</file>
+
+<file path=ppt/slides/slide10.xml><?xml version="1.0" encoding="utf-8"?>
+<p:sld xmlns:a="http://schemas.openxmlformats.org/drawingml/2006/main" xmlns:r="http://schemas.openxmlformats.org/officeDocument/2006/relationships" xmlns:p="http://schemas.openxmlformats.org/presentationml/2006/main">
+  <p:cSld>
+    <p:spTree>
+      <p:nvGrpSpPr>
+        <p:cNvPr id="1" name=""/>
+        <p:cNvGrpSpPr/>
+        <p:nvPr/>
+      </p:nvGrpSpPr>
+      <p:grpSpPr>
+        <a:xfrm>
+          <a:off x="0" y="0"/>
+          <a:ext cx="0" cy="0"/>
+          <a:chOff x="0" y="0"/>
+          <a:chExt cx="0" cy="0"/>
+        </a:xfrm>
+      </p:grpSpPr>
+      <p:sp>
+        <p:nvSpPr>
+          <p:cNvPr id="2" name="標題 1"/>
+          <p:cNvSpPr>
+            <a:spLocks noGrp="1"/>
+          </p:cNvSpPr>
+          <p:nvPr>
+            <p:ph type="title"/>
+          </p:nvPr>
+        </p:nvSpPr>
+        <p:spPr/>
+        <p:txBody>
+          <a:bodyPr/>
+          <a:lstStyle/>
+          <a:p>
+            <a:r>
+              <a:rPr lang="en-US" altLang="zh-TW" dirty="0" err="1"/>
+              <a:t>PluginResult</a:t>
+            </a:r>
+            <a:endParaRPr lang="zh-TW" altLang="en-US" dirty="0"/>
+          </a:p>
+        </p:txBody>
+      </p:sp>
+      <p:sp>
+        <p:nvSpPr>
+          <p:cNvPr id="3" name="內容版面配置區 2"/>
+          <p:cNvSpPr>
+            <a:spLocks noGrp="1"/>
+          </p:cNvSpPr>
+          <p:nvPr>
+            <p:ph idx="1"/>
+          </p:nvPr>
+        </p:nvSpPr>
+        <p:spPr/>
+        <p:txBody>
+          <a:bodyPr/>
+          <a:lstStyle/>
+          <a:p>
+            <a:r>
+              <a:rPr lang="zh-TW" altLang="en-US" dirty="0" smtClean="0"/>
+              <a:t>方法</a:t>
+            </a:r>
+            <a:r>
+              <a:rPr lang="en-US" altLang="zh-TW" dirty="0" smtClean="0"/>
+              <a:t>2: </a:t>
+            </a:r>
+            <a:r>
+              <a:rPr lang="zh-TW" altLang="en-US" dirty="0" smtClean="0"/>
+              <a:t>全部獨立的</a:t>
+            </a:r>
+            <a:r>
+              <a:rPr lang="en-US" altLang="zh-TW" dirty="0" smtClean="0"/>
+              <a:t>command</a:t>
+            </a:r>
+            <a:endParaRPr lang="zh-TW" altLang="en-US" dirty="0"/>
+          </a:p>
+        </p:txBody>
+      </p:sp>
+      <p:pic>
+        <p:nvPicPr>
+          <p:cNvPr id="4" name="圖片 3"/>
+          <p:cNvPicPr>
+            <a:picLocks noChangeAspect="1"/>
+          </p:cNvPicPr>
+          <p:nvPr/>
+        </p:nvPicPr>
+        <p:blipFill>
+          <a:blip r:embed="rId2">
+            <a:extLst>
+              <a:ext uri="{28A0092B-C50C-407E-A947-70E740481C1C}">
+                <a14:useLocalDpi xmlns:a14="http://schemas.microsoft.com/office/drawing/2010/main" val="0"/>
+              </a:ext>
+            </a:extLst>
+          </a:blip>
+          <a:stretch>
+            <a:fillRect/>
+          </a:stretch>
+        </p:blipFill>
+        <p:spPr>
+          <a:xfrm>
+            <a:off x="611560" y="2204863"/>
+            <a:ext cx="6120680" cy="4641911"/>
+          </a:xfrm>
+          <a:prstGeom prst="rect">
+            <a:avLst/>
+          </a:prstGeom>
+        </p:spPr>
+      </p:pic>
+    </p:spTree>
+    <p:extLst>
+      <p:ext uri="{BB962C8B-B14F-4D97-AF65-F5344CB8AC3E}">
+        <p14:creationId xmlns:p14="http://schemas.microsoft.com/office/powerpoint/2010/main" val="2949337349"/>
+      </p:ext>
+    </p:extLst>
+  </p:cSld>
+  <p:clrMapOvr>
+    <a:masterClrMapping/>
+  </p:clrMapOvr>
+</p:sld>
+</file>
+
+<file path=ppt/slides/slide11.xml><?xml version="1.0" encoding="utf-8"?>
+<p:sld xmlns:a="http://schemas.openxmlformats.org/drawingml/2006/main" xmlns:r="http://schemas.openxmlformats.org/officeDocument/2006/relationships" xmlns:p="http://schemas.openxmlformats.org/presentationml/2006/main">
+  <p:cSld>
+    <p:spTree>
+      <p:nvGrpSpPr>
+        <p:cNvPr id="1" name=""/>
+        <p:cNvGrpSpPr/>
+        <p:nvPr/>
+      </p:nvGrpSpPr>
+      <p:grpSpPr>
+        <a:xfrm>
+          <a:off x="0" y="0"/>
+          <a:ext cx="0" cy="0"/>
+          <a:chOff x="0" y="0"/>
+          <a:chExt cx="0" cy="0"/>
+        </a:xfrm>
+      </p:grpSpPr>
+      <p:sp>
+        <p:nvSpPr>
+          <p:cNvPr id="2" name="標題 1"/>
+          <p:cNvSpPr>
+            <a:spLocks noGrp="1"/>
+          </p:cNvSpPr>
+          <p:nvPr>
+            <p:ph type="title"/>
+          </p:nvPr>
+        </p:nvSpPr>
+        <p:spPr/>
+        <p:txBody>
+          <a:bodyPr/>
+          <a:lstStyle/>
+          <a:p>
+            <a:r>
+              <a:rPr lang="en-US" altLang="zh-TW" dirty="0" err="1" smtClean="0"/>
+              <a:t>InvestmentWebView</a:t>
+            </a:r>
+            <a:endParaRPr lang="zh-TW" altLang="en-US" dirty="0"/>
+          </a:p>
+        </p:txBody>
+      </p:sp>
+      <p:sp>
+        <p:nvSpPr>
+          <p:cNvPr id="3" name="內容版面配置區 2"/>
+          <p:cNvSpPr>
+            <a:spLocks noGrp="1"/>
+          </p:cNvSpPr>
+          <p:nvPr>
+            <p:ph idx="1"/>
+          </p:nvPr>
+        </p:nvSpPr>
+        <p:spPr/>
+        <p:txBody>
+          <a:bodyPr>
+            <a:normAutofit/>
+          </a:bodyPr>
+          <a:lstStyle/>
+          <a:p>
+            <a:r>
+              <a:rPr lang="en-US" altLang="zh-TW" dirty="0" err="1" smtClean="0"/>
+              <a:t>webView</a:t>
+            </a:r>
+            <a:endParaRPr lang="en-US" altLang="zh-TW" dirty="0" smtClean="0"/>
+          </a:p>
+          <a:p>
+            <a:pPr lvl="1"/>
+            <a:r>
+              <a:rPr lang="en-US" altLang="zh-TW" dirty="0" smtClean="0"/>
+              <a:t>App</a:t>
+            </a:r>
+            <a:r>
+              <a:rPr lang="zh-TW" altLang="en-US" dirty="0" smtClean="0"/>
+              <a:t>內外開連結大部分都透過</a:t>
+            </a:r>
+            <a:r>
+              <a:rPr lang="en-US" altLang="zh-TW" dirty="0" err="1" smtClean="0"/>
+              <a:t>webview</a:t>
+            </a:r>
+            <a:r>
+              <a:rPr lang="en-US" altLang="zh-TW" dirty="0" smtClean="0"/>
+              <a:t>, </a:t>
+            </a:r>
+            <a:r>
+              <a:rPr lang="zh-TW" altLang="en-US" dirty="0" smtClean="0"/>
+              <a:t>限制在內部開啟</a:t>
+            </a:r>
+            <a:r>
+              <a:rPr lang="en-US" altLang="zh-TW" dirty="0" smtClean="0"/>
+              <a:t> </a:t>
+            </a:r>
+          </a:p>
+          <a:p>
+            <a:r>
+              <a:rPr lang="zh-TW" altLang="en-US" dirty="0" smtClean="0"/>
+              <a:t>平台差異</a:t>
+            </a:r>
+            <a:endParaRPr lang="en-US" altLang="zh-TW" dirty="0" smtClean="0"/>
+          </a:p>
+          <a:p>
+            <a:pPr lvl="1"/>
+            <a:r>
+              <a:rPr lang="en-US" altLang="zh-TW" dirty="0" smtClean="0"/>
+              <a:t>Android: </a:t>
+            </a:r>
+            <a:r>
+              <a:rPr lang="en-US" altLang="zh-TW" dirty="0" err="1" smtClean="0"/>
+              <a:t>webview</a:t>
+            </a:r>
+            <a:endParaRPr lang="en-US" altLang="zh-TW" dirty="0" smtClean="0"/>
+          </a:p>
+          <a:p>
+            <a:pPr lvl="1"/>
+            <a:r>
+              <a:rPr lang="en-US" altLang="zh-TW" dirty="0" err="1" smtClean="0"/>
+              <a:t>iOS</a:t>
+            </a:r>
+            <a:r>
+              <a:rPr lang="en-US" altLang="zh-TW" dirty="0" smtClean="0"/>
+              <a:t>: </a:t>
+            </a:r>
+            <a:r>
+              <a:rPr lang="en-US" altLang="zh-TW" dirty="0" err="1" smtClean="0"/>
+              <a:t>UIWebView</a:t>
+            </a:r>
+            <a:endParaRPr lang="en-US" altLang="zh-TW" dirty="0" smtClean="0"/>
+          </a:p>
+        </p:txBody>
+      </p:sp>
+    </p:spTree>
+    <p:extLst>
+      <p:ext uri="{BB962C8B-B14F-4D97-AF65-F5344CB8AC3E}">
+        <p14:creationId xmlns:p14="http://schemas.microsoft.com/office/powerpoint/2010/main" val="2677307096"/>
+      </p:ext>
+    </p:extLst>
+  </p:cSld>
+  <p:clrMapOvr>
+    <a:masterClrMapping/>
+  </p:clrMapOvr>
+</p:sld>
+</file>
+
+<file path=ppt/slides/slide12.xml><?xml version="1.0" encoding="utf-8"?>
+<p:sld xmlns:a="http://schemas.openxmlformats.org/drawingml/2006/main" xmlns:r="http://schemas.openxmlformats.org/officeDocument/2006/relationships" xmlns:p="http://schemas.openxmlformats.org/presentationml/2006/main">
+  <p:cSld>
+    <p:spTree>
+      <p:nvGrpSpPr>
+        <p:cNvPr id="1" name=""/>
+        <p:cNvGrpSpPr/>
+        <p:nvPr/>
+      </p:nvGrpSpPr>
+      <p:grpSpPr>
+        <a:xfrm>
+          <a:off x="0" y="0"/>
+          <a:ext cx="0" cy="0"/>
+          <a:chOff x="0" y="0"/>
+          <a:chExt cx="0" cy="0"/>
+        </a:xfrm>
+      </p:grpSpPr>
+      <p:sp>
+        <p:nvSpPr>
+          <p:cNvPr id="2" name="標題 1"/>
+          <p:cNvSpPr>
+            <a:spLocks noGrp="1"/>
+          </p:cNvSpPr>
+          <p:nvPr>
+            <p:ph type="title"/>
+          </p:nvPr>
+        </p:nvSpPr>
+        <p:spPr/>
+        <p:txBody>
+          <a:bodyPr>
+            <a:normAutofit fontScale="90000"/>
+          </a:bodyPr>
+          <a:lstStyle/>
+          <a:p>
+            <a:r>
+              <a:rPr lang="en-US" altLang="zh-TW" dirty="0" err="1" smtClean="0"/>
+              <a:t>InvestmentWebView</a:t>
+            </a:r>
+            <a:r>
+              <a:rPr lang="en-US" altLang="zh-TW" dirty="0" smtClean="0"/>
+              <a:t/>
+            </a:r>
+            <a:br>
+              <a:rPr lang="en-US" altLang="zh-TW" dirty="0" smtClean="0"/>
+            </a:br>
+            <a:r>
+              <a:rPr lang="zh-TW" altLang="en-US" dirty="0"/>
+              <a:t>特殊</a:t>
+            </a:r>
+            <a:r>
+              <a:rPr lang="zh-TW" altLang="en-US" dirty="0" smtClean="0"/>
+              <a:t>需求</a:t>
+            </a:r>
+            <a:endParaRPr lang="zh-TW" altLang="en-US" dirty="0"/>
+          </a:p>
+        </p:txBody>
+      </p:sp>
+      <p:sp>
+        <p:nvSpPr>
+          <p:cNvPr id="3" name="內容版面配置區 2"/>
+          <p:cNvSpPr>
+            <a:spLocks noGrp="1"/>
+          </p:cNvSpPr>
+          <p:nvPr>
+            <p:ph idx="1"/>
+          </p:nvPr>
+        </p:nvSpPr>
+        <p:spPr/>
+        <p:txBody>
+          <a:bodyPr>
+            <a:normAutofit fontScale="85000" lnSpcReduction="20000"/>
+          </a:bodyPr>
+          <a:lstStyle/>
+          <a:p>
+            <a:r>
+              <a:rPr lang="zh-TW" altLang="en-US" dirty="0" smtClean="0"/>
+              <a:t>判斷</a:t>
+            </a:r>
+            <a:r>
+              <a:rPr lang="en-US" altLang="zh-TW" dirty="0" smtClean="0"/>
+              <a:t>&lt;button id=</a:t>
+            </a:r>
+            <a:r>
+              <a:rPr lang="zh-TW" altLang="en-US" dirty="0" smtClean="0">
+                <a:solidFill>
+                  <a:srgbClr val="FF0000"/>
+                </a:solidFill>
+              </a:rPr>
+              <a:t>關鍵字</a:t>
+            </a:r>
+            <a:r>
+              <a:rPr lang="en-US" altLang="zh-TW" dirty="0" smtClean="0"/>
+              <a:t>&gt;</a:t>
+            </a:r>
+          </a:p>
+          <a:p>
+            <a:pPr lvl="1"/>
+            <a:r>
+              <a:rPr lang="en-US" altLang="zh-TW" dirty="0" smtClean="0"/>
+              <a:t>CIP</a:t>
+            </a:r>
+            <a:r>
+              <a:rPr lang="zh-TW" altLang="en-US" dirty="0"/>
+              <a:t> </a:t>
+            </a:r>
+            <a:r>
+              <a:rPr lang="zh-TW" altLang="en-US" dirty="0" smtClean="0"/>
+              <a:t>特有</a:t>
+            </a:r>
+            <a:endParaRPr lang="en-US" altLang="zh-TW" dirty="0" smtClean="0"/>
+          </a:p>
+          <a:p>
+            <a:pPr lvl="1"/>
+            <a:r>
+              <a:rPr lang="en-US" altLang="zh-TW" dirty="0" smtClean="0"/>
+              <a:t>ClosePageBtn2, </a:t>
+            </a:r>
+            <a:r>
+              <a:rPr lang="zh-TW" altLang="en-US" dirty="0" smtClean="0"/>
+              <a:t>關閉</a:t>
+            </a:r>
+            <a:r>
+              <a:rPr lang="en-US" altLang="zh-TW" dirty="0" err="1" smtClean="0"/>
+              <a:t>webView</a:t>
+            </a:r>
+            <a:r>
+              <a:rPr lang="en-US" altLang="zh-TW" dirty="0" smtClean="0"/>
+              <a:t>, </a:t>
+            </a:r>
+            <a:r>
+              <a:rPr lang="zh-TW" altLang="en-US" dirty="0" smtClean="0"/>
+              <a:t>導頁至基金排行榜</a:t>
+            </a:r>
+            <a:endParaRPr lang="en-US" altLang="zh-TW" dirty="0" smtClean="0"/>
+          </a:p>
+          <a:p>
+            <a:pPr lvl="1"/>
+            <a:r>
+              <a:rPr lang="en-US" altLang="zh-TW" dirty="0" err="1" smtClean="0"/>
+              <a:t>ClosePageBtn</a:t>
+            </a:r>
+            <a:endParaRPr lang="en-US" altLang="zh-TW" dirty="0" smtClean="0"/>
+          </a:p>
+          <a:p>
+            <a:pPr lvl="1"/>
+            <a:r>
+              <a:rPr lang="en-US" altLang="zh-TW" dirty="0" smtClean="0"/>
+              <a:t>ClosePageBtn1</a:t>
+            </a:r>
+          </a:p>
+          <a:p>
+            <a:pPr lvl="1"/>
+            <a:r>
+              <a:rPr lang="en-US" altLang="zh-TW" dirty="0" smtClean="0"/>
+              <a:t>ClosePageBtn3,</a:t>
+            </a:r>
+            <a:r>
+              <a:rPr lang="zh-TW" altLang="en-US" dirty="0" smtClean="0"/>
+              <a:t>關閉</a:t>
+            </a:r>
+            <a:r>
+              <a:rPr lang="en-US" altLang="zh-TW" dirty="0" err="1" smtClean="0"/>
+              <a:t>webView</a:t>
+            </a:r>
+            <a:endParaRPr lang="en-US" altLang="zh-TW" dirty="0" smtClean="0"/>
+          </a:p>
+          <a:p>
+            <a:r>
+              <a:rPr lang="zh-TW" altLang="en-US" dirty="0" smtClean="0"/>
+              <a:t>判斷</a:t>
+            </a:r>
+            <a:r>
+              <a:rPr lang="en-US" altLang="zh-TW" dirty="0" smtClean="0"/>
+              <a:t>URL</a:t>
+            </a:r>
+          </a:p>
+          <a:p>
+            <a:pPr lvl="1"/>
+            <a:r>
+              <a:rPr lang="en-US" altLang="zh-TW" dirty="0" smtClean="0"/>
+              <a:t>OFX</a:t>
+            </a:r>
+            <a:r>
+              <a:rPr lang="zh-TW" altLang="en-US" dirty="0" smtClean="0"/>
+              <a:t>網頁</a:t>
+            </a:r>
+            <a:endParaRPr lang="en-US" altLang="zh-TW" dirty="0" smtClean="0"/>
+          </a:p>
+          <a:p>
+            <a:pPr lvl="1"/>
+            <a:r>
+              <a:rPr lang="en-US" altLang="zh-TW" dirty="0" err="1">
+                <a:solidFill>
+                  <a:srgbClr val="FF0000"/>
+                </a:solidFill>
+              </a:rPr>
+              <a:t>scb</a:t>
+            </a:r>
+            <a:r>
+              <a:rPr lang="en-US" altLang="zh-TW" dirty="0">
+                <a:solidFill>
+                  <a:srgbClr val="FF0000"/>
+                </a:solidFill>
+              </a:rPr>
+              <a:t>/</a:t>
+            </a:r>
+            <a:r>
+              <a:rPr lang="en-US" altLang="zh-TW" dirty="0" err="1">
+                <a:solidFill>
+                  <a:srgbClr val="FF0000"/>
+                </a:solidFill>
+              </a:rPr>
+              <a:t>sso_login?SSCode</a:t>
+            </a:r>
+            <a:r>
+              <a:rPr lang="en-US" altLang="zh-TW" dirty="0" smtClean="0">
+                <a:solidFill>
+                  <a:srgbClr val="FF0000"/>
+                </a:solidFill>
+              </a:rPr>
+              <a:t>=</a:t>
+            </a:r>
+            <a:endParaRPr lang="en-US" altLang="zh-TW" dirty="0">
+              <a:solidFill>
+                <a:srgbClr val="FF0000"/>
+              </a:solidFill>
+            </a:endParaRPr>
+          </a:p>
+          <a:p>
+            <a:pPr lvl="1"/>
+            <a:r>
+              <a:rPr lang="zh-TW" altLang="en-US" dirty="0" smtClean="0"/>
+              <a:t>動作</a:t>
+            </a:r>
+            <a:r>
+              <a:rPr lang="en-US" altLang="zh-TW" dirty="0" smtClean="0"/>
+              <a:t>: </a:t>
+            </a:r>
+            <a:r>
+              <a:rPr lang="zh-TW" altLang="en-US" dirty="0" smtClean="0"/>
+              <a:t>立即關閉</a:t>
+            </a:r>
+            <a:r>
+              <a:rPr lang="en-US" altLang="zh-TW" dirty="0" err="1" smtClean="0"/>
+              <a:t>webView</a:t>
+            </a:r>
+            <a:endParaRPr lang="zh-TW" altLang="en-US" dirty="0" smtClean="0"/>
+          </a:p>
+          <a:p>
+            <a:r>
+              <a:rPr lang="zh-TW" altLang="en-US" dirty="0" smtClean="0"/>
+              <a:t>原生傳回關鍵內容</a:t>
+            </a:r>
+            <a:r>
+              <a:rPr lang="en-US" altLang="zh-TW" dirty="0" smtClean="0"/>
+              <a:t>, </a:t>
+            </a:r>
+            <a:r>
+              <a:rPr lang="zh-TW" altLang="en-US" dirty="0" smtClean="0"/>
+              <a:t>交給</a:t>
+            </a:r>
+            <a:r>
+              <a:rPr lang="en-US" altLang="zh-TW" dirty="0" smtClean="0"/>
+              <a:t>vue.js</a:t>
+            </a:r>
+            <a:r>
+              <a:rPr lang="zh-TW" altLang="en-US" dirty="0" smtClean="0"/>
+              <a:t>判斷</a:t>
+            </a:r>
+            <a:endParaRPr lang="zh-TW" altLang="en-US" dirty="0"/>
+          </a:p>
+        </p:txBody>
+      </p:sp>
+    </p:spTree>
+    <p:extLst>
+      <p:ext uri="{BB962C8B-B14F-4D97-AF65-F5344CB8AC3E}">
+        <p14:creationId xmlns:p14="http://schemas.microsoft.com/office/powerpoint/2010/main" val="2985205127"/>
+      </p:ext>
+    </p:extLst>
+  </p:cSld>
+  <p:clrMapOvr>
+    <a:masterClrMapping/>
+  </p:clrMapOvr>
+</p:sld>
+</file>
+
+<file path=ppt/slides/slide13.xml><?xml version="1.0" encoding="utf-8"?>
+<p:sld xmlns:a="http://schemas.openxmlformats.org/drawingml/2006/main" xmlns:r="http://schemas.openxmlformats.org/officeDocument/2006/relationships" xmlns:p="http://schemas.openxmlformats.org/presentationml/2006/main">
+  <p:cSld>
+    <p:spTree>
+      <p:nvGrpSpPr>
+        <p:cNvPr id="1" name=""/>
+        <p:cNvGrpSpPr/>
+        <p:nvPr/>
+      </p:nvGrpSpPr>
+      <p:grpSpPr>
+        <a:xfrm>
+          <a:off x="0" y="0"/>
+          <a:ext cx="0" cy="0"/>
+          <a:chOff x="0" y="0"/>
+          <a:chExt cx="0" cy="0"/>
+        </a:xfrm>
+      </p:grpSpPr>
+      <p:sp>
+        <p:nvSpPr>
+          <p:cNvPr id="2" name="標題 1"/>
+          <p:cNvSpPr>
+            <a:spLocks noGrp="1"/>
+          </p:cNvSpPr>
+          <p:nvPr>
+            <p:ph type="title"/>
+          </p:nvPr>
+        </p:nvSpPr>
+        <p:spPr/>
+        <p:txBody>
+          <a:bodyPr>
+            <a:normAutofit fontScale="90000"/>
+          </a:bodyPr>
+          <a:lstStyle/>
+          <a:p>
+            <a:r>
+              <a:rPr lang="en-US" altLang="zh-TW" dirty="0" err="1" smtClean="0"/>
+              <a:t>InvestmentWebView</a:t>
+            </a:r>
+            <a:r>
+              <a:rPr lang="en-US" altLang="zh-TW" dirty="0" smtClean="0"/>
+              <a:t/>
+            </a:r>
+            <a:br>
+              <a:rPr lang="en-US" altLang="zh-TW" dirty="0" smtClean="0"/>
+            </a:br>
+            <a:r>
+              <a:rPr lang="zh-TW" altLang="en-US" dirty="0"/>
+              <a:t>特殊需求實作</a:t>
+            </a:r>
+          </a:p>
+        </p:txBody>
+      </p:sp>
+      <p:sp>
+        <p:nvSpPr>
+          <p:cNvPr id="3" name="內容版面配置區 2"/>
+          <p:cNvSpPr>
+            <a:spLocks noGrp="1"/>
+          </p:cNvSpPr>
+          <p:nvPr>
+            <p:ph idx="1"/>
+          </p:nvPr>
+        </p:nvSpPr>
+        <p:spPr/>
+        <p:txBody>
+          <a:bodyPr>
+            <a:normAutofit fontScale="85000" lnSpcReduction="20000"/>
+          </a:bodyPr>
+          <a:lstStyle/>
+          <a:p>
+            <a:r>
+              <a:rPr lang="zh-TW" altLang="en-US" dirty="0" smtClean="0"/>
+              <a:t>回傳</a:t>
+            </a:r>
+            <a:r>
+              <a:rPr lang="en-US" altLang="zh-TW" dirty="0" smtClean="0"/>
+              <a:t>button id</a:t>
+            </a:r>
+          </a:p>
+          <a:p>
+            <a:pPr lvl="1"/>
+            <a:r>
+              <a:rPr lang="zh-TW" altLang="en-US" dirty="0" smtClean="0"/>
+              <a:t>等網頁讀取完畢</a:t>
+            </a:r>
+            <a:endParaRPr lang="en-US" altLang="zh-TW" dirty="0" smtClean="0"/>
+          </a:p>
+          <a:p>
+            <a:pPr lvl="1"/>
+            <a:r>
+              <a:rPr lang="zh-TW" altLang="en-US" dirty="0" smtClean="0"/>
+              <a:t>塞入</a:t>
+            </a:r>
+            <a:r>
+              <a:rPr lang="en-US" altLang="zh-TW" dirty="0" err="1" smtClean="0"/>
+              <a:t>javascript</a:t>
+            </a:r>
+            <a:endParaRPr lang="en-US" altLang="zh-TW" dirty="0" smtClean="0"/>
+          </a:p>
+          <a:p>
+            <a:pPr lvl="2"/>
+            <a:r>
+              <a:rPr lang="en-US" altLang="zh-TW" dirty="0" smtClean="0"/>
+              <a:t>Android: </a:t>
+            </a:r>
+            <a:r>
+              <a:rPr lang="en-US" altLang="zh-TW" dirty="0" err="1"/>
+              <a:t>addJavascriptInterface</a:t>
+            </a:r>
+            <a:endParaRPr lang="en-US" altLang="zh-TW" dirty="0"/>
+          </a:p>
+          <a:p>
+            <a:pPr lvl="2"/>
+            <a:r>
+              <a:rPr lang="en-US" altLang="zh-TW" dirty="0" err="1" smtClean="0"/>
+              <a:t>iOS</a:t>
+            </a:r>
+            <a:r>
+              <a:rPr lang="en-US" altLang="zh-TW" dirty="0" smtClean="0"/>
+              <a:t>: </a:t>
+            </a:r>
+            <a:r>
+              <a:rPr lang="en-US" altLang="zh-TW" dirty="0" err="1" smtClean="0"/>
+              <a:t>stringByEvaluatingJavaScriptFromString</a:t>
+            </a:r>
+            <a:endParaRPr lang="en-US" altLang="zh-TW" dirty="0" smtClean="0"/>
+          </a:p>
+          <a:p>
+            <a:pPr lvl="1"/>
+            <a:r>
+              <a:rPr lang="en-US" altLang="zh-TW" dirty="0" err="1" smtClean="0"/>
+              <a:t>Javascript</a:t>
+            </a:r>
+            <a:r>
+              <a:rPr lang="zh-TW" altLang="en-US" dirty="0" smtClean="0"/>
+              <a:t>會呼叫原生函數</a:t>
+            </a:r>
+            <a:r>
+              <a:rPr lang="en-US" altLang="zh-TW" dirty="0" smtClean="0"/>
+              <a:t>, </a:t>
+            </a:r>
+            <a:r>
+              <a:rPr lang="zh-TW" altLang="en-US" dirty="0" smtClean="0"/>
+              <a:t>得到</a:t>
+            </a:r>
+            <a:r>
+              <a:rPr lang="en-US" altLang="zh-TW" dirty="0" smtClean="0"/>
+              <a:t>button id</a:t>
+            </a:r>
+          </a:p>
+          <a:p>
+            <a:pPr lvl="1"/>
+            <a:r>
+              <a:rPr lang="zh-TW" altLang="en-US" dirty="0"/>
+              <a:t>回</a:t>
+            </a:r>
+            <a:r>
+              <a:rPr lang="zh-TW" altLang="en-US" dirty="0" smtClean="0"/>
+              <a:t>傳</a:t>
+            </a:r>
+            <a:r>
+              <a:rPr lang="zh-TW" altLang="en-US" dirty="0"/>
+              <a:t> </a:t>
+            </a:r>
+            <a:r>
+              <a:rPr lang="en-US" altLang="zh-TW" dirty="0" smtClean="0"/>
+              <a:t>button id </a:t>
+            </a:r>
+            <a:r>
+              <a:rPr lang="zh-TW" altLang="en-US" dirty="0" smtClean="0"/>
+              <a:t>給 </a:t>
+            </a:r>
+            <a:r>
+              <a:rPr lang="en-US" altLang="zh-TW" dirty="0" err="1" smtClean="0"/>
+              <a:t>vue</a:t>
+            </a:r>
+            <a:endParaRPr lang="en-US" altLang="zh-TW" dirty="0" smtClean="0"/>
+          </a:p>
+          <a:p>
+            <a:r>
+              <a:rPr lang="zh-TW" altLang="en-US" dirty="0" smtClean="0"/>
+              <a:t>判斷</a:t>
+            </a:r>
+            <a:r>
+              <a:rPr lang="en-US" altLang="zh-TW" dirty="0" smtClean="0"/>
+              <a:t>URL</a:t>
+            </a:r>
+          </a:p>
+          <a:p>
+            <a:pPr lvl="1"/>
+            <a:r>
+              <a:rPr lang="zh-TW" altLang="en-US" dirty="0"/>
+              <a:t>攔截換頁</a:t>
+            </a:r>
+            <a:r>
+              <a:rPr lang="zh-TW" altLang="en-US" dirty="0" smtClean="0"/>
+              <a:t>函數</a:t>
+            </a:r>
+            <a:endParaRPr lang="en-US" altLang="zh-TW" dirty="0" smtClean="0"/>
+          </a:p>
+          <a:p>
+            <a:pPr lvl="2"/>
+            <a:r>
+              <a:rPr lang="en-US" altLang="zh-TW" dirty="0" smtClean="0"/>
+              <a:t>Android: </a:t>
+            </a:r>
+            <a:r>
+              <a:rPr lang="en-US" altLang="zh-TW" dirty="0" err="1" smtClean="0"/>
+              <a:t>onPageStarted</a:t>
+            </a:r>
+            <a:endParaRPr lang="en-US" altLang="zh-TW" dirty="0" smtClean="0"/>
+          </a:p>
+          <a:p>
+            <a:pPr lvl="2"/>
+            <a:r>
+              <a:rPr lang="en-US" altLang="zh-TW" dirty="0" err="1" smtClean="0"/>
+              <a:t>iOS</a:t>
+            </a:r>
+            <a:r>
+              <a:rPr lang="en-US" altLang="zh-TW" dirty="0" smtClean="0"/>
+              <a:t>: </a:t>
+            </a:r>
+            <a:r>
+              <a:rPr lang="en-US" altLang="zh-TW" dirty="0" err="1" smtClean="0"/>
+              <a:t>shouldStartLoadWithRequest</a:t>
+            </a:r>
+            <a:endParaRPr lang="en-US" altLang="zh-TW" dirty="0" smtClean="0"/>
+          </a:p>
+          <a:p>
+            <a:pPr lvl="1"/>
+            <a:r>
+              <a:rPr lang="zh-TW" altLang="en-US" dirty="0"/>
+              <a:t>回</a:t>
+            </a:r>
+            <a:r>
+              <a:rPr lang="zh-TW" altLang="en-US" dirty="0" smtClean="0"/>
+              <a:t>傳</a:t>
+            </a:r>
+            <a:r>
+              <a:rPr lang="en-US" altLang="zh-TW" dirty="0" smtClean="0"/>
+              <a:t>URL</a:t>
+            </a:r>
+            <a:r>
+              <a:rPr lang="zh-TW" altLang="en-US" dirty="0" smtClean="0"/>
+              <a:t>給 </a:t>
+            </a:r>
+            <a:r>
+              <a:rPr lang="en-US" altLang="zh-TW" dirty="0" err="1" smtClean="0"/>
+              <a:t>vue</a:t>
+            </a:r>
+            <a:endParaRPr lang="zh-TW" altLang="en-US" dirty="0"/>
+          </a:p>
+        </p:txBody>
+      </p:sp>
+    </p:spTree>
+    <p:extLst>
+      <p:ext uri="{BB962C8B-B14F-4D97-AF65-F5344CB8AC3E}">
+        <p14:creationId xmlns:p14="http://schemas.microsoft.com/office/powerpoint/2010/main" val="2267443332"/>
+      </p:ext>
+    </p:extLst>
+  </p:cSld>
+  <p:clrMapOvr>
+    <a:masterClrMapping/>
+  </p:clrMapOvr>
+  <p:timing>
+    <p:tnLst>
+      <p:par>
+        <p:cTn id="1" dur="indefinite" restart="never" nodeType="tmRoot"/>
+      </p:par>
+    </p:tnLst>
+  </p:timing>
+</p:sld>
+</file>
+
+<file path=ppt/slides/slide14.xml><?xml version="1.0" encoding="utf-8"?>
+<p:sld xmlns:a="http://schemas.openxmlformats.org/drawingml/2006/main" xmlns:r="http://schemas.openxmlformats.org/officeDocument/2006/relationships" xmlns:p="http://schemas.openxmlformats.org/presentationml/2006/main">
+  <p:cSld>
+    <p:spTree>
+      <p:nvGrpSpPr>
+        <p:cNvPr id="1" name=""/>
+        <p:cNvGrpSpPr/>
+        <p:nvPr/>
+      </p:nvGrpSpPr>
+      <p:grpSpPr>
+        <a:xfrm>
+          <a:off x="0" y="0"/>
+          <a:ext cx="0" cy="0"/>
+          <a:chOff x="0" y="0"/>
+          <a:chExt cx="0" cy="0"/>
+        </a:xfrm>
+      </p:grpSpPr>
+      <p:sp>
+        <p:nvSpPr>
+          <p:cNvPr id="2" name="標題 1"/>
+          <p:cNvSpPr>
+            <a:spLocks noGrp="1"/>
+          </p:cNvSpPr>
+          <p:nvPr>
+            <p:ph type="title"/>
+          </p:nvPr>
+        </p:nvSpPr>
+        <p:spPr/>
+        <p:txBody>
+          <a:bodyPr/>
+          <a:lstStyle/>
+          <a:p>
+            <a:endParaRPr lang="zh-TW" altLang="en-US" dirty="0"/>
+          </a:p>
+        </p:txBody>
+      </p:sp>
+      <p:pic>
+        <p:nvPicPr>
+          <p:cNvPr id="6" name="內容版面配置區 5"/>
+          <p:cNvPicPr>
+            <a:picLocks noGrp="1" noChangeAspect="1"/>
+          </p:cNvPicPr>
+          <p:nvPr>
+            <p:ph idx="1"/>
+          </p:nvPr>
+        </p:nvPicPr>
+        <p:blipFill>
+          <a:blip r:embed="rId2">
+            <a:extLst>
+              <a:ext uri="{28A0092B-C50C-407E-A947-70E740481C1C}">
+                <a14:useLocalDpi xmlns:a14="http://schemas.microsoft.com/office/drawing/2010/main" val="0"/>
+              </a:ext>
+            </a:extLst>
+          </a:blip>
+          <a:stretch>
+            <a:fillRect/>
+          </a:stretch>
+        </p:blipFill>
+        <p:spPr>
+          <a:xfrm>
+            <a:off x="35496" y="260648"/>
+            <a:ext cx="9065249" cy="5853608"/>
+          </a:xfrm>
+        </p:spPr>
+      </p:pic>
+    </p:spTree>
+    <p:extLst>
+      <p:ext uri="{BB962C8B-B14F-4D97-AF65-F5344CB8AC3E}">
+        <p14:creationId xmlns:p14="http://schemas.microsoft.com/office/powerpoint/2010/main" val="2700822498"/>
+      </p:ext>
+    </p:extLst>
+  </p:cSld>
+  <p:clrMapOvr>
+    <a:masterClrMapping/>
+  </p:clrMapOvr>
+  <p:timing>
+    <p:tnLst>
+      <p:par>
+        <p:cTn id="1" dur="indefinite" restart="never" nodeType="tmRoot"/>
+      </p:par>
+    </p:tnLst>
+  </p:timing>
+</p:sld>
+</file>
+
+<file path=ppt/slides/slide15.xml><?xml version="1.0" encoding="utf-8"?>
+<p:sld xmlns:a="http://schemas.openxmlformats.org/drawingml/2006/main" xmlns:r="http://schemas.openxmlformats.org/officeDocument/2006/relationships" xmlns:p="http://schemas.openxmlformats.org/presentationml/2006/main">
+  <p:cSld>
+    <p:spTree>
+      <p:nvGrpSpPr>
+        <p:cNvPr id="1" name=""/>
+        <p:cNvGrpSpPr/>
+        <p:nvPr/>
+      </p:nvGrpSpPr>
+      <p:grpSpPr>
+        <a:xfrm>
+          <a:off x="0" y="0"/>
+          <a:ext cx="0" cy="0"/>
+          <a:chOff x="0" y="0"/>
+          <a:chExt cx="0" cy="0"/>
+        </a:xfrm>
+      </p:grpSpPr>
+      <p:sp>
+        <p:nvSpPr>
+          <p:cNvPr id="2" name="標題 1"/>
+          <p:cNvSpPr>
+            <a:spLocks noGrp="1"/>
+          </p:cNvSpPr>
+          <p:nvPr>
+            <p:ph type="title"/>
+          </p:nvPr>
+        </p:nvSpPr>
+        <p:spPr/>
+        <p:txBody>
+          <a:bodyPr/>
+          <a:lstStyle/>
+          <a:p>
+            <a:r>
+              <a:rPr lang="en-US" altLang="zh-TW" dirty="0" err="1" smtClean="0"/>
+              <a:t>geoFence</a:t>
+            </a:r>
+            <a:endParaRPr lang="zh-TW" altLang="en-US" dirty="0"/>
+          </a:p>
+        </p:txBody>
+      </p:sp>
+      <p:sp>
+        <p:nvSpPr>
+          <p:cNvPr id="3" name="內容版面配置區 2"/>
+          <p:cNvSpPr>
+            <a:spLocks noGrp="1"/>
+          </p:cNvSpPr>
+          <p:nvPr>
+            <p:ph idx="1"/>
+          </p:nvPr>
+        </p:nvSpPr>
+        <p:spPr/>
+        <p:txBody>
+          <a:bodyPr>
+            <a:normAutofit fontScale="62500" lnSpcReduction="20000"/>
+          </a:bodyPr>
+          <a:lstStyle/>
+          <a:p>
+            <a:r>
+              <a:rPr lang="zh-TW" altLang="en-US" dirty="0" smtClean="0"/>
+              <a:t>地理柵欄</a:t>
+            </a:r>
+            <a:endParaRPr lang="en-US" altLang="zh-TW" dirty="0" smtClean="0"/>
+          </a:p>
+          <a:p>
+            <a:pPr lvl="1"/>
+            <a:r>
+              <a:rPr lang="zh-TW" altLang="en-US" dirty="0"/>
+              <a:t>啟用</a:t>
+            </a:r>
+            <a:r>
+              <a:rPr lang="en-US" altLang="zh-TW" dirty="0"/>
+              <a:t>: </a:t>
+            </a:r>
+            <a:r>
+              <a:rPr lang="zh-TW" altLang="en-US" dirty="0"/>
+              <a:t>登入</a:t>
+            </a:r>
+            <a:r>
+              <a:rPr lang="en-US" altLang="zh-TW" dirty="0"/>
+              <a:t>-&gt;</a:t>
+            </a:r>
+            <a:r>
+              <a:rPr lang="zh-TW" altLang="en-US" dirty="0"/>
+              <a:t>設定</a:t>
+            </a:r>
+            <a:r>
+              <a:rPr lang="en-US" altLang="zh-TW" dirty="0"/>
+              <a:t>-&gt;</a:t>
+            </a:r>
+            <a:r>
+              <a:rPr lang="zh-TW" altLang="en-US" dirty="0" smtClean="0"/>
+              <a:t>開啟</a:t>
+            </a:r>
+            <a:r>
+              <a:rPr lang="en-US" altLang="zh-TW" dirty="0" err="1" smtClean="0"/>
+              <a:t>geoFence</a:t>
+            </a:r>
+            <a:endParaRPr lang="en-US" altLang="zh-TW" dirty="0" smtClean="0"/>
+          </a:p>
+          <a:p>
+            <a:pPr lvl="1"/>
+            <a:r>
+              <a:rPr lang="en-US" altLang="zh-TW" dirty="0" err="1" smtClean="0"/>
+              <a:t>Gps</a:t>
+            </a:r>
+            <a:r>
+              <a:rPr lang="zh-TW" altLang="en-US" dirty="0"/>
+              <a:t>開啟</a:t>
+            </a:r>
+            <a:r>
+              <a:rPr lang="zh-TW" altLang="en-US" dirty="0" smtClean="0"/>
+              <a:t>時</a:t>
+            </a:r>
+            <a:r>
+              <a:rPr lang="en-US" altLang="zh-TW" dirty="0" smtClean="0"/>
+              <a:t>, </a:t>
+            </a:r>
+            <a:r>
+              <a:rPr lang="zh-TW" altLang="en-US" dirty="0" smtClean="0"/>
+              <a:t>詢問</a:t>
+            </a:r>
+            <a:r>
+              <a:rPr lang="en-US" altLang="zh-TW" dirty="0" smtClean="0"/>
+              <a:t>API</a:t>
+            </a:r>
+            <a:r>
+              <a:rPr lang="zh-TW" altLang="en-US" dirty="0" smtClean="0"/>
+              <a:t>附近是否有店家</a:t>
+            </a:r>
+            <a:r>
+              <a:rPr lang="en-US" altLang="zh-TW" dirty="0" smtClean="0"/>
+              <a:t>, </a:t>
+            </a:r>
+            <a:r>
+              <a:rPr lang="zh-TW" altLang="en-US" dirty="0" smtClean="0"/>
+              <a:t>送出通知告知使用者優惠訊息</a:t>
+            </a:r>
+            <a:endParaRPr lang="en-US" altLang="zh-TW" dirty="0" smtClean="0"/>
+          </a:p>
+          <a:p>
+            <a:r>
+              <a:rPr lang="zh-TW" altLang="en-US" dirty="0"/>
+              <a:t>限制</a:t>
+            </a:r>
+            <a:endParaRPr lang="en-US" altLang="zh-TW" dirty="0" smtClean="0"/>
+          </a:p>
+          <a:p>
+            <a:pPr lvl="1"/>
+            <a:r>
+              <a:rPr lang="zh-TW" altLang="en-US" dirty="0"/>
+              <a:t>一天只通知</a:t>
+            </a:r>
+            <a:r>
+              <a:rPr lang="zh-TW" altLang="en-US" dirty="0" smtClean="0"/>
+              <a:t>一次</a:t>
+            </a:r>
+            <a:endParaRPr lang="en-US" altLang="zh-TW" dirty="0" smtClean="0"/>
+          </a:p>
+          <a:p>
+            <a:pPr lvl="2"/>
+            <a:r>
+              <a:rPr lang="zh-TW" altLang="en-US" dirty="0"/>
+              <a:t>前景</a:t>
+            </a:r>
+            <a:r>
+              <a:rPr lang="en-US" altLang="zh-TW" dirty="0" smtClean="0"/>
+              <a:t>: </a:t>
+            </a:r>
+            <a:r>
+              <a:rPr lang="zh-TW" altLang="en-US" dirty="0" smtClean="0"/>
+              <a:t>送出</a:t>
+            </a:r>
+            <a:r>
+              <a:rPr lang="en-US" altLang="zh-TW" dirty="0" smtClean="0"/>
+              <a:t>dialog</a:t>
+            </a:r>
+          </a:p>
+          <a:p>
+            <a:pPr lvl="2"/>
+            <a:r>
+              <a:rPr lang="zh-TW" altLang="en-US" dirty="0" smtClean="0"/>
+              <a:t>背景</a:t>
+            </a:r>
+            <a:r>
+              <a:rPr lang="en-US" altLang="zh-TW" dirty="0" smtClean="0"/>
+              <a:t>: </a:t>
+            </a:r>
+            <a:r>
+              <a:rPr lang="zh-TW" altLang="en-US" dirty="0" smtClean="0"/>
+              <a:t>按下</a:t>
+            </a:r>
+            <a:r>
+              <a:rPr lang="en-US" altLang="zh-TW" dirty="0" smtClean="0"/>
+              <a:t>notification</a:t>
+            </a:r>
+          </a:p>
+          <a:p>
+            <a:r>
+              <a:rPr lang="zh-TW" altLang="en-US" dirty="0"/>
+              <a:t>平台</a:t>
+            </a:r>
+            <a:r>
+              <a:rPr lang="zh-TW" altLang="en-US" dirty="0" smtClean="0"/>
+              <a:t>差異</a:t>
+            </a:r>
+            <a:r>
+              <a:rPr lang="en-US" altLang="zh-TW" dirty="0" smtClean="0"/>
+              <a:t>:</a:t>
+            </a:r>
+          </a:p>
+          <a:p>
+            <a:pPr lvl="1"/>
+            <a:r>
+              <a:rPr lang="en-US" altLang="zh-TW" dirty="0" smtClean="0"/>
+              <a:t>Android:</a:t>
+            </a:r>
+          </a:p>
+          <a:p>
+            <a:pPr lvl="2"/>
+            <a:r>
+              <a:rPr lang="en-US" altLang="zh-TW" dirty="0" smtClean="0"/>
+              <a:t>10</a:t>
+            </a:r>
+            <a:r>
+              <a:rPr lang="zh-TW" altLang="en-US" dirty="0" smtClean="0"/>
+              <a:t>分鐘排程檢查一次觸發</a:t>
+            </a:r>
+            <a:endParaRPr lang="en-US" altLang="zh-TW" dirty="0" smtClean="0"/>
+          </a:p>
+          <a:p>
+            <a:pPr lvl="2"/>
+            <a:r>
+              <a:rPr lang="en-US" altLang="zh-TW" dirty="0" smtClean="0"/>
+              <a:t>3</a:t>
+            </a:r>
+            <a:r>
+              <a:rPr lang="zh-TW" altLang="en-US" dirty="0" smtClean="0"/>
+              <a:t>分鐘持續檢查</a:t>
+            </a:r>
+            <a:endParaRPr lang="en-US" altLang="zh-TW" dirty="0" smtClean="0"/>
+          </a:p>
+          <a:p>
+            <a:pPr lvl="2"/>
+            <a:r>
+              <a:rPr lang="en-US" altLang="zh-TW" dirty="0" err="1" smtClean="0"/>
+              <a:t>JobScheduler</a:t>
+            </a:r>
+            <a:r>
+              <a:rPr lang="en-US" altLang="zh-TW" dirty="0" smtClean="0"/>
+              <a:t>, </a:t>
+            </a:r>
+            <a:r>
+              <a:rPr lang="en-US" altLang="zh-TW" dirty="0" err="1"/>
+              <a:t>getFusedLocationProviderClient</a:t>
+            </a:r>
+            <a:endParaRPr lang="en-US" altLang="zh-TW" dirty="0"/>
+          </a:p>
+          <a:p>
+            <a:pPr lvl="1"/>
+            <a:r>
+              <a:rPr lang="en-US" altLang="zh-TW" dirty="0" err="1" smtClean="0"/>
+              <a:t>iOS</a:t>
+            </a:r>
+            <a:r>
+              <a:rPr lang="en-US" altLang="zh-TW" dirty="0" smtClean="0"/>
+              <a:t>:</a:t>
+            </a:r>
+          </a:p>
+          <a:p>
+            <a:pPr lvl="2"/>
+            <a:r>
+              <a:rPr lang="zh-TW" altLang="en-US" dirty="0"/>
+              <a:t>定位變更就</a:t>
+            </a:r>
+            <a:r>
+              <a:rPr lang="zh-TW" altLang="en-US" dirty="0" smtClean="0"/>
+              <a:t>觸發</a:t>
+            </a:r>
+            <a:endParaRPr lang="en-US" altLang="zh-TW" dirty="0" smtClean="0"/>
+          </a:p>
+          <a:p>
+            <a:pPr lvl="2"/>
+            <a:r>
+              <a:rPr lang="en-US" altLang="zh-TW" dirty="0" err="1" smtClean="0"/>
+              <a:t>locationManager</a:t>
+            </a:r>
+            <a:endParaRPr lang="en-US" altLang="zh-TW" dirty="0"/>
+          </a:p>
+          <a:p>
+            <a:pPr lvl="1"/>
+            <a:endParaRPr lang="zh-TW" altLang="en-US" dirty="0"/>
+          </a:p>
+        </p:txBody>
+      </p:sp>
+    </p:spTree>
+    <p:extLst>
+      <p:ext uri="{BB962C8B-B14F-4D97-AF65-F5344CB8AC3E}">
+        <p14:creationId xmlns:p14="http://schemas.microsoft.com/office/powerpoint/2010/main" val="2375535783"/>
+      </p:ext>
+    </p:extLst>
+  </p:cSld>
+  <p:clrMapOvr>
+    <a:masterClrMapping/>
+  </p:clrMapOvr>
+  <p:timing>
+    <p:tnLst>
+      <p:par>
+        <p:cTn id="1" dur="indefinite" restart="never" nodeType="tmRoot"/>
+      </p:par>
+    </p:tnLst>
+  </p:timing>
+</p:sld>
+</file>
+
+<file path=ppt/slides/slide16.xml><?xml version="1.0" encoding="utf-8"?>
+<p:sld xmlns:a="http://schemas.openxmlformats.org/drawingml/2006/main" xmlns:r="http://schemas.openxmlformats.org/officeDocument/2006/relationships" xmlns:p="http://schemas.openxmlformats.org/presentationml/2006/main">
+  <p:cSld>
+    <p:spTree>
+      <p:nvGrpSpPr>
+        <p:cNvPr id="1" name=""/>
+        <p:cNvGrpSpPr/>
+        <p:nvPr/>
+      </p:nvGrpSpPr>
+      <p:grpSpPr>
+        <a:xfrm>
+          <a:off x="0" y="0"/>
+          <a:ext cx="0" cy="0"/>
+          <a:chOff x="0" y="0"/>
+          <a:chExt cx="0" cy="0"/>
+        </a:xfrm>
+      </p:grpSpPr>
+      <p:sp>
+        <p:nvSpPr>
+          <p:cNvPr id="2" name="標題 1"/>
+          <p:cNvSpPr>
+            <a:spLocks noGrp="1"/>
+          </p:cNvSpPr>
+          <p:nvPr>
+            <p:ph type="title"/>
+          </p:nvPr>
+        </p:nvSpPr>
+        <p:spPr/>
+        <p:txBody>
+          <a:bodyPr>
+            <a:normAutofit fontScale="90000"/>
+          </a:bodyPr>
+          <a:lstStyle/>
+          <a:p>
+            <a:r>
+              <a:rPr lang="en-US" altLang="zh-TW" dirty="0" err="1" smtClean="0"/>
+              <a:t>geoFence</a:t>
+            </a:r>
+            <a:r>
+              <a:rPr lang="en-US" altLang="zh-TW" dirty="0" smtClean="0"/>
+              <a:t/>
+            </a:r>
+            <a:br>
+              <a:rPr lang="en-US" altLang="zh-TW" dirty="0" smtClean="0"/>
+            </a:br>
+            <a:r>
+              <a:rPr lang="zh-TW" altLang="en-US" dirty="0" smtClean="0"/>
+              <a:t>背景處理</a:t>
+            </a:r>
+            <a:r>
+              <a:rPr lang="en-US" altLang="zh-TW" dirty="0" smtClean="0"/>
+              <a:t>API</a:t>
+            </a:r>
+            <a:endParaRPr lang="zh-TW" altLang="en-US" dirty="0"/>
+          </a:p>
+        </p:txBody>
+      </p:sp>
+      <p:sp>
+        <p:nvSpPr>
+          <p:cNvPr id="3" name="內容版面配置區 2"/>
+          <p:cNvSpPr>
+            <a:spLocks noGrp="1"/>
+          </p:cNvSpPr>
+          <p:nvPr>
+            <p:ph idx="1"/>
+          </p:nvPr>
+        </p:nvSpPr>
+        <p:spPr/>
+        <p:txBody>
+          <a:bodyPr>
+            <a:normAutofit fontScale="92500" lnSpcReduction="10000"/>
+          </a:bodyPr>
+          <a:lstStyle/>
+          <a:p>
+            <a:r>
+              <a:rPr lang="en-US" altLang="zh-TW" dirty="0" smtClean="0"/>
+              <a:t>App</a:t>
+            </a:r>
+            <a:r>
+              <a:rPr lang="zh-TW" altLang="en-US" dirty="0" smtClean="0"/>
+              <a:t>終結時也要能運作</a:t>
+            </a:r>
+            <a:endParaRPr lang="en-US" altLang="zh-TW" dirty="0" smtClean="0"/>
+          </a:p>
+          <a:p>
+            <a:r>
+              <a:rPr lang="en-US" altLang="zh-TW" dirty="0" smtClean="0"/>
+              <a:t>Android:</a:t>
+            </a:r>
+          </a:p>
+          <a:p>
+            <a:pPr lvl="1"/>
+            <a:r>
+              <a:rPr lang="zh-TW" altLang="en-US" dirty="0" smtClean="0"/>
+              <a:t>手動設計</a:t>
+            </a:r>
+            <a:endParaRPr lang="en-US" altLang="zh-TW" dirty="0"/>
+          </a:p>
+          <a:p>
+            <a:pPr lvl="1"/>
+            <a:r>
+              <a:rPr lang="zh-TW" altLang="en-US" dirty="0" smtClean="0"/>
+              <a:t>呼叫</a:t>
+            </a:r>
+            <a:r>
+              <a:rPr lang="en-US" altLang="zh-TW" dirty="0" err="1" smtClean="0"/>
+              <a:t>api</a:t>
+            </a:r>
+            <a:r>
+              <a:rPr lang="zh-TW" altLang="en-US" dirty="0" smtClean="0"/>
+              <a:t>時</a:t>
+            </a:r>
+            <a:r>
+              <a:rPr lang="en-US" altLang="zh-TW" dirty="0" smtClean="0"/>
+              <a:t>, </a:t>
+            </a:r>
+            <a:r>
+              <a:rPr lang="zh-TW" altLang="en-US" dirty="0" smtClean="0"/>
+              <a:t>背景開啟</a:t>
+            </a:r>
+            <a:r>
+              <a:rPr lang="en-US" altLang="zh-TW" dirty="0" smtClean="0"/>
+              <a:t>app, </a:t>
+            </a:r>
+            <a:r>
+              <a:rPr lang="zh-TW" altLang="en-US" dirty="0" smtClean="0"/>
+              <a:t>完成任務後關閉</a:t>
+            </a:r>
+            <a:endParaRPr lang="en-US" altLang="zh-TW" dirty="0" smtClean="0"/>
+          </a:p>
+          <a:p>
+            <a:pPr lvl="2"/>
+            <a:r>
+              <a:rPr lang="en-US" altLang="zh-TW" dirty="0" err="1" smtClean="0"/>
+              <a:t>getClosestMerchantForLBS</a:t>
+            </a:r>
+            <a:endParaRPr lang="en-US" altLang="zh-TW" dirty="0" smtClean="0"/>
+          </a:p>
+          <a:p>
+            <a:pPr lvl="2"/>
+            <a:r>
+              <a:rPr lang="en-US" altLang="zh-TW" dirty="0" err="1" smtClean="0"/>
+              <a:t>startActivity</a:t>
+            </a:r>
+            <a:r>
+              <a:rPr lang="en-US" altLang="zh-TW" dirty="0" smtClean="0"/>
+              <a:t>(</a:t>
+            </a:r>
+            <a:r>
+              <a:rPr lang="en-US" altLang="zh-TW" dirty="0" err="1" smtClean="0"/>
+              <a:t>newTask</a:t>
+            </a:r>
+            <a:r>
+              <a:rPr lang="en-US" altLang="zh-TW" dirty="0" smtClean="0"/>
+              <a:t>)</a:t>
+            </a:r>
+          </a:p>
+          <a:p>
+            <a:r>
+              <a:rPr lang="en-US" altLang="zh-TW" dirty="0" err="1" smtClean="0"/>
+              <a:t>iOS</a:t>
+            </a:r>
+            <a:r>
+              <a:rPr lang="en-US" altLang="zh-TW" dirty="0" smtClean="0"/>
+              <a:t>:</a:t>
+            </a:r>
+          </a:p>
+          <a:p>
+            <a:pPr lvl="1"/>
+            <a:r>
+              <a:rPr lang="zh-TW" altLang="en-US" dirty="0" smtClean="0"/>
+              <a:t>系統決定</a:t>
+            </a:r>
+            <a:endParaRPr lang="en-US" altLang="zh-TW" dirty="0"/>
+          </a:p>
+          <a:p>
+            <a:pPr lvl="1"/>
+            <a:r>
+              <a:rPr lang="zh-TW" altLang="en-US" dirty="0"/>
+              <a:t>呼叫</a:t>
+            </a:r>
+            <a:r>
+              <a:rPr lang="en-US" altLang="zh-TW" dirty="0" err="1"/>
+              <a:t>api</a:t>
+            </a:r>
+            <a:r>
+              <a:rPr lang="zh-TW" altLang="en-US" dirty="0"/>
+              <a:t>時</a:t>
+            </a:r>
+            <a:r>
+              <a:rPr lang="en-US" altLang="zh-TW" dirty="0"/>
+              <a:t>,</a:t>
+            </a:r>
+            <a:r>
+              <a:rPr lang="zh-TW" altLang="en-US" dirty="0" smtClean="0"/>
+              <a:t>背景</a:t>
+            </a:r>
+            <a:r>
+              <a:rPr lang="zh-TW" altLang="en-US" dirty="0"/>
+              <a:t>開啟</a:t>
+            </a:r>
+            <a:r>
+              <a:rPr lang="en-US" altLang="zh-TW" dirty="0"/>
+              <a:t>app, </a:t>
+            </a:r>
+            <a:r>
+              <a:rPr lang="en-US" altLang="zh-TW" dirty="0" smtClean="0">
+                <a:solidFill>
+                  <a:srgbClr val="FF0000"/>
+                </a:solidFill>
+              </a:rPr>
+              <a:t>30</a:t>
+            </a:r>
+            <a:r>
+              <a:rPr lang="zh-TW" altLang="en-US" dirty="0" smtClean="0">
+                <a:solidFill>
+                  <a:srgbClr val="FF0000"/>
+                </a:solidFill>
+              </a:rPr>
+              <a:t>秒內</a:t>
+            </a:r>
+            <a:r>
+              <a:rPr lang="zh-TW" altLang="en-US" dirty="0">
+                <a:solidFill>
+                  <a:srgbClr val="FF0000"/>
+                </a:solidFill>
+              </a:rPr>
+              <a:t>被系統強制</a:t>
+            </a:r>
+            <a:r>
+              <a:rPr lang="zh-TW" altLang="en-US" dirty="0" smtClean="0">
+                <a:solidFill>
+                  <a:srgbClr val="FF0000"/>
+                </a:solidFill>
+              </a:rPr>
+              <a:t>關閉</a:t>
+            </a:r>
+            <a:endParaRPr lang="en-US" altLang="zh-TW" dirty="0" smtClean="0">
+              <a:solidFill>
+                <a:srgbClr val="FF0000"/>
+              </a:solidFill>
+            </a:endParaRPr>
+          </a:p>
+          <a:p>
+            <a:pPr lvl="1"/>
+            <a:r>
+              <a:rPr lang="zh-TW" altLang="en-US" dirty="0">
+                <a:solidFill>
+                  <a:srgbClr val="FF0000"/>
+                </a:solidFill>
+              </a:rPr>
+              <a:t>時限內沒完成是合理的</a:t>
+            </a:r>
+            <a:endParaRPr lang="en-US" altLang="zh-TW" dirty="0">
+              <a:solidFill>
+                <a:srgbClr val="FF0000"/>
+              </a:solidFill>
+            </a:endParaRPr>
+          </a:p>
+        </p:txBody>
+      </p:sp>
+    </p:spTree>
+    <p:extLst>
+      <p:ext uri="{BB962C8B-B14F-4D97-AF65-F5344CB8AC3E}">
+        <p14:creationId xmlns:p14="http://schemas.microsoft.com/office/powerpoint/2010/main" val="2488679578"/>
+      </p:ext>
+    </p:extLst>
+  </p:cSld>
+  <p:clrMapOvr>
+    <a:masterClrMapping/>
+  </p:clrMapOvr>
+  <p:timing>
+    <p:tnLst>
+      <p:par>
+        <p:cTn id="1" dur="indefinite" restart="never" nodeType="tmRoot"/>
+      </p:par>
+    </p:tnLst>
+  </p:timing>
+</p:sld>
+</file>
+
+<file path=ppt/slides/slide17.xml><?xml version="1.0" encoding="utf-8"?>
+<p:sld xmlns:a="http://schemas.openxmlformats.org/drawingml/2006/main" xmlns:r="http://schemas.openxmlformats.org/officeDocument/2006/relationships" xmlns:p="http://schemas.openxmlformats.org/presentationml/2006/main">
+  <p:cSld>
+    <p:spTree>
+      <p:nvGrpSpPr>
+        <p:cNvPr id="1" name=""/>
+        <p:cNvGrpSpPr/>
+        <p:nvPr/>
+      </p:nvGrpSpPr>
+      <p:grpSpPr>
+        <a:xfrm>
+          <a:off x="0" y="0"/>
+          <a:ext cx="0" cy="0"/>
+          <a:chOff x="0" y="0"/>
+          <a:chExt cx="0" cy="0"/>
+        </a:xfrm>
+      </p:grpSpPr>
+      <p:sp>
+        <p:nvSpPr>
+          <p:cNvPr id="2" name="標題 1"/>
+          <p:cNvSpPr>
+            <a:spLocks noGrp="1"/>
+          </p:cNvSpPr>
+          <p:nvPr>
+            <p:ph type="title"/>
+          </p:nvPr>
+        </p:nvSpPr>
+        <p:spPr/>
+        <p:txBody>
+          <a:bodyPr/>
+          <a:lstStyle/>
+          <a:p>
+            <a:endParaRPr lang="zh-TW" altLang="en-US" dirty="0"/>
+          </a:p>
+        </p:txBody>
+      </p:sp>
+      <p:pic>
+        <p:nvPicPr>
+          <p:cNvPr id="6" name="內容版面配置區 5"/>
+          <p:cNvPicPr>
+            <a:picLocks noGrp="1" noChangeAspect="1"/>
+          </p:cNvPicPr>
+          <p:nvPr>
+            <p:ph idx="1"/>
+          </p:nvPr>
+        </p:nvPicPr>
+        <p:blipFill>
+          <a:blip r:embed="rId2">
+            <a:extLst>
+              <a:ext uri="{28A0092B-C50C-407E-A947-70E740481C1C}">
+                <a14:useLocalDpi xmlns:a14="http://schemas.microsoft.com/office/drawing/2010/main" val="0"/>
+              </a:ext>
+            </a:extLst>
+          </a:blip>
+          <a:stretch>
+            <a:fillRect/>
+          </a:stretch>
+        </p:blipFill>
+        <p:spPr>
+          <a:xfrm>
+            <a:off x="611560" y="116633"/>
+            <a:ext cx="7958392" cy="6622936"/>
+          </a:xfrm>
+        </p:spPr>
+      </p:pic>
+    </p:spTree>
+    <p:extLst>
+      <p:ext uri="{BB962C8B-B14F-4D97-AF65-F5344CB8AC3E}">
+        <p14:creationId xmlns:p14="http://schemas.microsoft.com/office/powerpoint/2010/main" val="2416198988"/>
+      </p:ext>
+    </p:extLst>
+  </p:cSld>
+  <p:clrMapOvr>
+    <a:masterClrMapping/>
+  </p:clrMapOvr>
+  <p:timing>
+    <p:tnLst>
+      <p:par>
+        <p:cTn id="1" dur="indefinite" restart="never" nodeType="tmRoot"/>
+      </p:par>
+    </p:tnLst>
+  </p:timing>
+</p:sld>
+</file>
+
+<file path=ppt/slides/slide18.xml><?xml version="1.0" encoding="utf-8"?>
+<p:sld xmlns:a="http://schemas.openxmlformats.org/drawingml/2006/main" xmlns:r="http://schemas.openxmlformats.org/officeDocument/2006/relationships" xmlns:p="http://schemas.openxmlformats.org/presentationml/2006/main">
+  <p:cSld>
+    <p:spTree>
+      <p:nvGrpSpPr>
+        <p:cNvPr id="1" name=""/>
+        <p:cNvGrpSpPr/>
+        <p:nvPr/>
+      </p:nvGrpSpPr>
+      <p:grpSpPr>
+        <a:xfrm>
+          <a:off x="0" y="0"/>
+          <a:ext cx="0" cy="0"/>
+          <a:chOff x="0" y="0"/>
+          <a:chExt cx="0" cy="0"/>
+        </a:xfrm>
+      </p:grpSpPr>
+      <p:sp>
+        <p:nvSpPr>
+          <p:cNvPr id="2" name="標題 1"/>
+          <p:cNvSpPr>
+            <a:spLocks noGrp="1"/>
+          </p:cNvSpPr>
+          <p:nvPr>
+            <p:ph type="title"/>
+          </p:nvPr>
+        </p:nvSpPr>
+        <p:spPr/>
+        <p:txBody>
+          <a:bodyPr/>
+          <a:lstStyle/>
+          <a:p>
+            <a:r>
+              <a:rPr lang="en-US" altLang="zh-TW" dirty="0" err="1" smtClean="0"/>
+              <a:t>Ibeacon</a:t>
+            </a:r>
+            <a:endParaRPr lang="zh-TW" altLang="en-US" dirty="0"/>
+          </a:p>
+        </p:txBody>
+      </p:sp>
+      <p:sp>
+        <p:nvSpPr>
+          <p:cNvPr id="3" name="內容版面配置區 2"/>
+          <p:cNvSpPr>
+            <a:spLocks noGrp="1"/>
+          </p:cNvSpPr>
+          <p:nvPr>
+            <p:ph idx="1"/>
+          </p:nvPr>
+        </p:nvSpPr>
+        <p:spPr/>
+        <p:txBody>
+          <a:bodyPr>
+            <a:normAutofit fontScale="77500" lnSpcReduction="20000"/>
+          </a:bodyPr>
+          <a:lstStyle/>
+          <a:p>
+            <a:r>
+              <a:rPr lang="en-US" altLang="zh-TW" dirty="0" err="1" smtClean="0"/>
+              <a:t>Ibeacon</a:t>
+            </a:r>
+            <a:endParaRPr lang="en-US" altLang="zh-TW" dirty="0" smtClean="0"/>
+          </a:p>
+          <a:p>
+            <a:pPr lvl="1"/>
+            <a:r>
+              <a:rPr lang="zh-TW" altLang="en-US" dirty="0" smtClean="0"/>
+              <a:t>啟用</a:t>
+            </a:r>
+            <a:r>
+              <a:rPr lang="en-US" altLang="zh-TW" dirty="0" smtClean="0"/>
+              <a:t>: </a:t>
+            </a:r>
+            <a:r>
+              <a:rPr lang="zh-TW" altLang="en-US" dirty="0" smtClean="0"/>
+              <a:t>登入</a:t>
+            </a:r>
+            <a:r>
+              <a:rPr lang="en-US" altLang="zh-TW" dirty="0" smtClean="0"/>
+              <a:t>-&gt;</a:t>
+            </a:r>
+            <a:r>
+              <a:rPr lang="zh-TW" altLang="en-US" dirty="0" smtClean="0"/>
+              <a:t>設定</a:t>
+            </a:r>
+            <a:r>
+              <a:rPr lang="en-US" altLang="zh-TW" dirty="0" smtClean="0"/>
+              <a:t>-&gt;</a:t>
+            </a:r>
+            <a:r>
+              <a:rPr lang="zh-TW" altLang="en-US" dirty="0" smtClean="0"/>
+              <a:t>開啟</a:t>
+            </a:r>
+            <a:r>
+              <a:rPr lang="en-US" altLang="zh-TW" dirty="0" err="1" smtClean="0"/>
+              <a:t>ibeacon</a:t>
+            </a:r>
+            <a:endParaRPr lang="en-US" altLang="zh-TW" dirty="0" smtClean="0"/>
+          </a:p>
+          <a:p>
+            <a:pPr lvl="1"/>
+            <a:r>
+              <a:rPr lang="zh-TW" altLang="en-US" dirty="0"/>
+              <a:t>有預約</a:t>
+            </a:r>
+            <a:r>
+              <a:rPr lang="zh-TW" altLang="en-US" dirty="0" smtClean="0"/>
+              <a:t>交易</a:t>
+            </a:r>
+            <a:r>
+              <a:rPr lang="en-US" altLang="zh-TW" dirty="0" smtClean="0"/>
+              <a:t>, </a:t>
+            </a:r>
+            <a:r>
+              <a:rPr lang="zh-TW" altLang="en-US" dirty="0" smtClean="0"/>
+              <a:t>接近分行時</a:t>
+            </a:r>
+            <a:r>
+              <a:rPr lang="en-US" altLang="zh-TW" dirty="0" smtClean="0"/>
+              <a:t>, </a:t>
+            </a:r>
+            <a:r>
+              <a:rPr lang="zh-TW" altLang="en-US" dirty="0" smtClean="0"/>
+              <a:t>會自動取號</a:t>
+            </a:r>
+            <a:r>
+              <a:rPr lang="en-US" altLang="zh-TW" dirty="0" smtClean="0"/>
+              <a:t>, </a:t>
+            </a:r>
+            <a:r>
+              <a:rPr lang="zh-TW" altLang="en-US" dirty="0" smtClean="0"/>
+              <a:t>然後再告知使用者</a:t>
+            </a:r>
+            <a:endParaRPr lang="en-US" altLang="zh-TW" dirty="0" smtClean="0"/>
+          </a:p>
+          <a:p>
+            <a:pPr lvl="1"/>
+            <a:r>
+              <a:rPr lang="zh-TW" altLang="en-US" dirty="0" smtClean="0"/>
+              <a:t>取號時</a:t>
+            </a:r>
+            <a:r>
+              <a:rPr lang="en-US" altLang="zh-TW" dirty="0" smtClean="0"/>
+              <a:t>, </a:t>
+            </a:r>
+            <a:r>
+              <a:rPr lang="zh-TW" altLang="en-US" dirty="0" smtClean="0"/>
+              <a:t>詢問</a:t>
+            </a:r>
+            <a:r>
+              <a:rPr lang="en-US" altLang="zh-TW" dirty="0" smtClean="0"/>
+              <a:t>API</a:t>
+            </a:r>
+            <a:r>
+              <a:rPr lang="zh-TW" altLang="en-US" dirty="0" smtClean="0"/>
+              <a:t>取得號碼</a:t>
+            </a:r>
+            <a:endParaRPr lang="en-US" altLang="zh-TW" dirty="0"/>
+          </a:p>
+          <a:p>
+            <a:r>
+              <a:rPr lang="zh-TW" altLang="en-US" dirty="0" smtClean="0"/>
+              <a:t>限制</a:t>
+            </a:r>
+            <a:endParaRPr lang="en-US" altLang="zh-TW" dirty="0" smtClean="0"/>
+          </a:p>
+          <a:p>
+            <a:pPr lvl="1"/>
+            <a:r>
+              <a:rPr lang="en-US" altLang="zh-TW" dirty="0" err="1" smtClean="0"/>
+              <a:t>Ibeacon</a:t>
+            </a:r>
+            <a:r>
+              <a:rPr lang="zh-TW" altLang="en-US" dirty="0" smtClean="0"/>
+              <a:t>範圍內只能發送一次通知</a:t>
+            </a:r>
+            <a:endParaRPr lang="en-US" altLang="zh-TW" dirty="0" smtClean="0"/>
+          </a:p>
+          <a:p>
+            <a:pPr lvl="1"/>
+            <a:r>
+              <a:rPr lang="zh-TW" altLang="en-US" dirty="0"/>
+              <a:t>離開範圍</a:t>
+            </a:r>
+            <a:r>
+              <a:rPr lang="zh-TW" altLang="en-US" dirty="0" smtClean="0"/>
+              <a:t>後</a:t>
+            </a:r>
+            <a:r>
+              <a:rPr lang="en-US" altLang="zh-TW" dirty="0" smtClean="0"/>
+              <a:t>, </a:t>
+            </a:r>
+            <a:r>
+              <a:rPr lang="zh-TW" altLang="en-US" dirty="0" smtClean="0"/>
+              <a:t>再次進入範圍才能再發送</a:t>
+            </a:r>
+            <a:endParaRPr lang="en-US" altLang="zh-TW" dirty="0" smtClean="0"/>
+          </a:p>
+          <a:p>
+            <a:r>
+              <a:rPr lang="zh-TW" altLang="en-US" dirty="0"/>
+              <a:t>平台</a:t>
+            </a:r>
+            <a:r>
+              <a:rPr lang="zh-TW" altLang="en-US" dirty="0" smtClean="0"/>
+              <a:t>差異</a:t>
+            </a:r>
+            <a:r>
+              <a:rPr lang="en-US" altLang="zh-TW" dirty="0" smtClean="0"/>
+              <a:t>:</a:t>
+            </a:r>
+          </a:p>
+          <a:p>
+            <a:pPr lvl="1"/>
+            <a:r>
+              <a:rPr lang="en-US" altLang="zh-TW" dirty="0" smtClean="0"/>
+              <a:t>Android:</a:t>
+            </a:r>
+          </a:p>
+          <a:p>
+            <a:pPr lvl="2"/>
+            <a:r>
+              <a:rPr lang="en-US" altLang="zh-TW" dirty="0" err="1" smtClean="0"/>
+              <a:t>org.altbeacon.beacon</a:t>
+            </a:r>
+            <a:r>
+              <a:rPr lang="en-US" altLang="zh-TW" dirty="0" smtClean="0"/>
+              <a:t> ( </a:t>
+            </a:r>
+            <a:r>
+              <a:rPr lang="zh-TW" altLang="en-US" dirty="0" smtClean="0"/>
+              <a:t>第三方元件</a:t>
+            </a:r>
+            <a:r>
+              <a:rPr lang="en-US" altLang="zh-TW" dirty="0" smtClean="0"/>
+              <a:t>)</a:t>
+            </a:r>
+          </a:p>
+          <a:p>
+            <a:pPr lvl="1"/>
+            <a:r>
+              <a:rPr lang="en-US" altLang="zh-TW" dirty="0" err="1" smtClean="0"/>
+              <a:t>iOS</a:t>
+            </a:r>
+            <a:r>
+              <a:rPr lang="en-US" altLang="zh-TW" dirty="0" smtClean="0"/>
+              <a:t>:</a:t>
+            </a:r>
+          </a:p>
+          <a:p>
+            <a:pPr lvl="2"/>
+            <a:r>
+              <a:rPr lang="en-US" altLang="zh-TW" dirty="0" err="1"/>
+              <a:t>CLLocationManager</a:t>
+            </a:r>
+            <a:endParaRPr lang="en-US" altLang="zh-TW" dirty="0"/>
+          </a:p>
+          <a:p>
+            <a:pPr lvl="2"/>
+            <a:endParaRPr lang="en-US" altLang="zh-TW" dirty="0" smtClean="0"/>
+          </a:p>
+          <a:p>
+            <a:pPr lvl="1"/>
+            <a:endParaRPr lang="en-US" altLang="zh-TW" dirty="0" smtClean="0"/>
+          </a:p>
+          <a:p>
+            <a:endParaRPr lang="zh-TW" altLang="en-US" dirty="0"/>
+          </a:p>
+        </p:txBody>
+      </p:sp>
+    </p:spTree>
+    <p:extLst>
+      <p:ext uri="{BB962C8B-B14F-4D97-AF65-F5344CB8AC3E}">
+        <p14:creationId xmlns:p14="http://schemas.microsoft.com/office/powerpoint/2010/main" val="955877538"/>
+      </p:ext>
+    </p:extLst>
+  </p:cSld>
+  <p:clrMapOvr>
+    <a:masterClrMapping/>
+  </p:clrMapOvr>
+  <p:timing>
+    <p:tnLst>
+      <p:par>
+        <p:cTn id="1" dur="indefinite" restart="never" nodeType="tmRoot"/>
+      </p:par>
+    </p:tnLst>
+  </p:timing>
+</p:sld>
+</file>
+
+<file path=ppt/slides/slide19.xml><?xml version="1.0" encoding="utf-8"?>
+<p:sld xmlns:a="http://schemas.openxmlformats.org/drawingml/2006/main" xmlns:r="http://schemas.openxmlformats.org/officeDocument/2006/relationships" xmlns:p="http://schemas.openxmlformats.org/presentationml/2006/main">
+  <p:cSld>
+    <p:spTree>
+      <p:nvGrpSpPr>
+        <p:cNvPr id="1" name=""/>
+        <p:cNvGrpSpPr/>
+        <p:nvPr/>
+      </p:nvGrpSpPr>
+      <p:grpSpPr>
+        <a:xfrm>
+          <a:off x="0" y="0"/>
+          <a:ext cx="0" cy="0"/>
+          <a:chOff x="0" y="0"/>
+          <a:chExt cx="0" cy="0"/>
+        </a:xfrm>
+      </p:grpSpPr>
+      <p:sp>
+        <p:nvSpPr>
+          <p:cNvPr id="2" name="標題 1"/>
+          <p:cNvSpPr>
+            <a:spLocks noGrp="1"/>
+          </p:cNvSpPr>
+          <p:nvPr>
+            <p:ph type="title"/>
+          </p:nvPr>
+        </p:nvSpPr>
+        <p:spPr/>
+        <p:txBody>
+          <a:bodyPr>
+            <a:normAutofit fontScale="90000"/>
+          </a:bodyPr>
+          <a:lstStyle/>
+          <a:p>
+            <a:r>
+              <a:rPr lang="en-US" altLang="zh-TW" dirty="0" err="1" smtClean="0"/>
+              <a:t>Ibeacon</a:t>
+            </a:r>
+            <a:r>
+              <a:rPr lang="en-US" altLang="zh-TW" dirty="0" smtClean="0"/>
+              <a:t/>
+            </a:r>
+            <a:br>
+              <a:rPr lang="en-US" altLang="zh-TW" dirty="0" smtClean="0"/>
+            </a:br>
+            <a:r>
+              <a:rPr lang="zh-TW" altLang="en-US" dirty="0"/>
+              <a:t>背景處理</a:t>
+            </a:r>
+            <a:r>
+              <a:rPr lang="en-US" altLang="zh-TW" dirty="0"/>
+              <a:t>API</a:t>
+            </a:r>
+            <a:endParaRPr lang="zh-TW" altLang="en-US" dirty="0"/>
+          </a:p>
+        </p:txBody>
+      </p:sp>
+      <p:sp>
+        <p:nvSpPr>
+          <p:cNvPr id="3" name="內容版面配置區 2"/>
+          <p:cNvSpPr>
+            <a:spLocks noGrp="1"/>
+          </p:cNvSpPr>
+          <p:nvPr>
+            <p:ph idx="1"/>
+          </p:nvPr>
+        </p:nvSpPr>
+        <p:spPr/>
+        <p:txBody>
+          <a:bodyPr>
+            <a:normAutofit fontScale="92500" lnSpcReduction="10000"/>
+          </a:bodyPr>
+          <a:lstStyle/>
+          <a:p>
+            <a:r>
+              <a:rPr lang="en-US" altLang="zh-TW" dirty="0"/>
+              <a:t>App</a:t>
+            </a:r>
+            <a:r>
+              <a:rPr lang="zh-TW" altLang="en-US" dirty="0"/>
+              <a:t>終結時也要能運作</a:t>
+            </a:r>
+            <a:endParaRPr lang="en-US" altLang="zh-TW" dirty="0"/>
+          </a:p>
+          <a:p>
+            <a:r>
+              <a:rPr lang="en-US" altLang="zh-TW" dirty="0"/>
+              <a:t>Android:</a:t>
+            </a:r>
+          </a:p>
+          <a:p>
+            <a:pPr lvl="1"/>
+            <a:r>
+              <a:rPr lang="zh-TW" altLang="en-US" dirty="0"/>
+              <a:t>手動設計</a:t>
+            </a:r>
+            <a:endParaRPr lang="en-US" altLang="zh-TW" dirty="0"/>
+          </a:p>
+          <a:p>
+            <a:pPr lvl="1"/>
+            <a:r>
+              <a:rPr lang="zh-TW" altLang="en-US" dirty="0"/>
+              <a:t>背景開啟</a:t>
+            </a:r>
+            <a:r>
+              <a:rPr lang="en-US" altLang="zh-TW" dirty="0" smtClean="0"/>
+              <a:t>app, </a:t>
+            </a:r>
+            <a:r>
+              <a:rPr lang="zh-TW" altLang="en-US" dirty="0" smtClean="0"/>
+              <a:t>完成任務後不關閉</a:t>
+            </a:r>
+            <a:endParaRPr lang="en-US" altLang="zh-TW" dirty="0" smtClean="0"/>
+          </a:p>
+          <a:p>
+            <a:pPr lvl="2"/>
+            <a:r>
+              <a:rPr lang="en-US" altLang="zh-TW" dirty="0" err="1" smtClean="0"/>
+              <a:t>pullData</a:t>
+            </a:r>
+            <a:endParaRPr lang="en-US" altLang="zh-TW" dirty="0"/>
+          </a:p>
+          <a:p>
+            <a:pPr lvl="2"/>
+            <a:r>
+              <a:rPr lang="en-US" altLang="zh-TW" dirty="0" err="1"/>
+              <a:t>startActivity</a:t>
+            </a:r>
+            <a:r>
+              <a:rPr lang="en-US" altLang="zh-TW" dirty="0"/>
+              <a:t>(</a:t>
+            </a:r>
+            <a:r>
+              <a:rPr lang="en-US" altLang="zh-TW" dirty="0" err="1"/>
+              <a:t>newTask</a:t>
+            </a:r>
+            <a:r>
+              <a:rPr lang="en-US" altLang="zh-TW" dirty="0"/>
+              <a:t>)</a:t>
+            </a:r>
+          </a:p>
+          <a:p>
+            <a:r>
+              <a:rPr lang="en-US" altLang="zh-TW" dirty="0" err="1"/>
+              <a:t>iOS</a:t>
+            </a:r>
+            <a:r>
+              <a:rPr lang="en-US" altLang="zh-TW" dirty="0"/>
+              <a:t>:</a:t>
+            </a:r>
+          </a:p>
+          <a:p>
+            <a:pPr lvl="1"/>
+            <a:r>
+              <a:rPr lang="zh-TW" altLang="en-US" dirty="0"/>
+              <a:t>系統</a:t>
+            </a:r>
+            <a:r>
+              <a:rPr lang="zh-TW" altLang="en-US" dirty="0" smtClean="0"/>
+              <a:t>決定</a:t>
+            </a:r>
+            <a:endParaRPr lang="en-US" altLang="zh-TW" dirty="0" smtClean="0"/>
+          </a:p>
+          <a:p>
+            <a:pPr lvl="1"/>
+            <a:r>
+              <a:rPr lang="zh-TW" altLang="en-US" dirty="0"/>
+              <a:t>呼叫</a:t>
+            </a:r>
+            <a:r>
+              <a:rPr lang="en-US" altLang="zh-TW" dirty="0" err="1"/>
+              <a:t>api</a:t>
+            </a:r>
+            <a:r>
+              <a:rPr lang="zh-TW" altLang="en-US" dirty="0"/>
+              <a:t>時</a:t>
+            </a:r>
+            <a:r>
+              <a:rPr lang="en-US" altLang="zh-TW" dirty="0"/>
+              <a:t>,</a:t>
+            </a:r>
+            <a:r>
+              <a:rPr lang="zh-TW" altLang="en-US" dirty="0"/>
+              <a:t>背景開啟</a:t>
+            </a:r>
+            <a:r>
+              <a:rPr lang="en-US" altLang="zh-TW" dirty="0"/>
+              <a:t>app, </a:t>
+            </a:r>
+            <a:r>
+              <a:rPr lang="en-US" altLang="zh-TW" dirty="0">
+                <a:solidFill>
+                  <a:srgbClr val="FF0000"/>
+                </a:solidFill>
+              </a:rPr>
+              <a:t>30</a:t>
+            </a:r>
+            <a:r>
+              <a:rPr lang="zh-TW" altLang="en-US" dirty="0">
+                <a:solidFill>
+                  <a:srgbClr val="FF0000"/>
+                </a:solidFill>
+              </a:rPr>
+              <a:t>秒內被系統強制</a:t>
+            </a:r>
+            <a:r>
+              <a:rPr lang="zh-TW" altLang="en-US" dirty="0" smtClean="0">
+                <a:solidFill>
+                  <a:srgbClr val="FF0000"/>
+                </a:solidFill>
+              </a:rPr>
+              <a:t>關閉</a:t>
+            </a:r>
+            <a:endParaRPr lang="en-US" altLang="zh-TW" dirty="0" smtClean="0">
+              <a:solidFill>
+                <a:srgbClr val="FF0000"/>
+              </a:solidFill>
+            </a:endParaRPr>
+          </a:p>
+          <a:p>
+            <a:pPr lvl="1"/>
+            <a:r>
+              <a:rPr lang="zh-TW" altLang="en-US" dirty="0">
+                <a:solidFill>
+                  <a:srgbClr val="FF0000"/>
+                </a:solidFill>
+              </a:rPr>
+              <a:t>時限內沒完成是合理</a:t>
+            </a:r>
+            <a:r>
+              <a:rPr lang="zh-TW" altLang="en-US" dirty="0" smtClean="0">
+                <a:solidFill>
+                  <a:srgbClr val="FF0000"/>
+                </a:solidFill>
+              </a:rPr>
+              <a:t>的</a:t>
+            </a:r>
+            <a:endParaRPr lang="en-US" altLang="zh-TW" dirty="0">
+              <a:solidFill>
+                <a:srgbClr val="FF0000"/>
+              </a:solidFill>
+            </a:endParaRPr>
+          </a:p>
+        </p:txBody>
+      </p:sp>
+    </p:spTree>
+    <p:extLst>
+      <p:ext uri="{BB962C8B-B14F-4D97-AF65-F5344CB8AC3E}">
+        <p14:creationId xmlns:p14="http://schemas.microsoft.com/office/powerpoint/2010/main" val="227018218"/>
+      </p:ext>
+    </p:extLst>
+  </p:cSld>
+  <p:clrMapOvr>
+    <a:masterClrMapping/>
+  </p:clrMapOvr>
+  <p:timing>
+    <p:tnLst>
+      <p:par>
+        <p:cTn id="1" dur="indefinite" restart="never" nodeType="tmRoot"/>
+      </p:par>
+    </p:tnLst>
+  </p:timing>
 </p:sld>
 </file>
 
@@ -3254,7 +5456,15 @@
             <a:pPr lvl="1"/>
             <a:r>
               <a:rPr lang="zh-TW" altLang="en-US" dirty="0" smtClean="0"/>
-              <a:t>動到 觸發時間</a:t>
+              <a:t>異動項目</a:t>
+            </a:r>
+            <a:r>
+              <a:rPr lang="en-US" altLang="zh-TW" dirty="0" smtClean="0"/>
+              <a:t>:</a:t>
+            </a:r>
+            <a:r>
+              <a:rPr lang="zh-TW" altLang="en-US" dirty="0" smtClean="0"/>
+              <a:t> 觸發時間</a:t>
             </a:r>
             <a:r>
               <a:rPr lang="en-US" altLang="zh-TW" dirty="0" smtClean="0"/>
@@ -3265,28 +5475,6 @@
               <a:t>加提醒</a:t>
             </a:r>
             <a:endParaRPr lang="en-US" altLang="zh-TW" dirty="0" smtClean="0"/>
-          </a:p>
-          <a:p>
-            <a:r>
-              <a:rPr lang="en-US" altLang="zh-TW" dirty="0" smtClean="0"/>
-              <a:t>Passbook</a:t>
-            </a:r>
-          </a:p>
-          <a:p>
-            <a:pPr lvl="1"/>
-            <a:r>
-              <a:rPr lang="zh-TW" altLang="en-US" dirty="0" smtClean="0"/>
-              <a:t>動到 </a:t>
-            </a:r>
-            <a:r>
-              <a:rPr lang="en-US" altLang="zh-TW" dirty="0" err="1" smtClean="0"/>
-              <a:t>applepay</a:t>
-            </a:r>
-            <a:r>
-              <a:rPr lang="zh-TW" altLang="en-US" dirty="0" smtClean="0"/>
-              <a:t>回傳</a:t>
-            </a:r>
-            <a:endParaRPr lang="zh-TW" altLang="en-US" dirty="0"/>
           </a:p>
         </p:txBody>
       </p:sp>
@@ -3294,6 +5482,215 @@
     <p:extLst>
       <p:ext uri="{BB962C8B-B14F-4D97-AF65-F5344CB8AC3E}">
         <p14:creationId xmlns:p14="http://schemas.microsoft.com/office/powerpoint/2010/main" val="1577317232"/>
+      </p:ext>
+    </p:extLst>
+  </p:cSld>
+  <p:clrMapOvr>
+    <a:masterClrMapping/>
+  </p:clrMapOvr>
+</p:sld>
+</file>
+
+<file path=ppt/slides/slide20.xml><?xml version="1.0" encoding="utf-8"?>
+<p:sld xmlns:a="http://schemas.openxmlformats.org/drawingml/2006/main" xmlns:r="http://schemas.openxmlformats.org/officeDocument/2006/relationships" xmlns:p="http://schemas.openxmlformats.org/presentationml/2006/main">
+  <p:cSld>
+    <p:spTree>
+      <p:nvGrpSpPr>
+        <p:cNvPr id="1" name=""/>
+        <p:cNvGrpSpPr/>
+        <p:nvPr/>
+      </p:nvGrpSpPr>
+      <p:grpSpPr>
+        <a:xfrm>
+          <a:off x="0" y="0"/>
+          <a:ext cx="0" cy="0"/>
+          <a:chOff x="0" y="0"/>
+          <a:chExt cx="0" cy="0"/>
+        </a:xfrm>
+      </p:grpSpPr>
+      <p:sp>
+        <p:nvSpPr>
+          <p:cNvPr id="2" name="標題 1"/>
+          <p:cNvSpPr>
+            <a:spLocks noGrp="1"/>
+          </p:cNvSpPr>
+          <p:nvPr>
+            <p:ph type="title"/>
+          </p:nvPr>
+        </p:nvSpPr>
+        <p:spPr/>
+        <p:txBody>
+          <a:bodyPr>
+            <a:normAutofit fontScale="90000"/>
+          </a:bodyPr>
+          <a:lstStyle/>
+          <a:p>
+            <a:r>
+              <a:rPr lang="en-US" altLang="zh-TW" dirty="0" err="1" smtClean="0"/>
+              <a:t>Ibeacon</a:t>
+            </a:r>
+            <a:r>
+              <a:rPr lang="en-US" altLang="zh-TW" dirty="0" smtClean="0"/>
+              <a:t/>
+            </a:r>
+            <a:br>
+              <a:rPr lang="en-US" altLang="zh-TW" dirty="0" smtClean="0"/>
+            </a:br>
+            <a:r>
+              <a:rPr lang="zh-TW" altLang="en-US" dirty="0"/>
+              <a:t>安裝注意</a:t>
+            </a:r>
+          </a:p>
+        </p:txBody>
+      </p:sp>
+      <p:sp>
+        <p:nvSpPr>
+          <p:cNvPr id="3" name="內容版面配置區 2"/>
+          <p:cNvSpPr>
+            <a:spLocks noGrp="1"/>
+          </p:cNvSpPr>
+          <p:nvPr>
+            <p:ph idx="1"/>
+          </p:nvPr>
+        </p:nvSpPr>
+        <p:spPr/>
+        <p:txBody>
+          <a:bodyPr/>
+          <a:lstStyle/>
+          <a:p>
+            <a:r>
+              <a:rPr lang="zh-TW" altLang="en-US" dirty="0" smtClean="0"/>
+              <a:t>為了方便開發</a:t>
+            </a:r>
+            <a:r>
+              <a:rPr lang="en-US" altLang="zh-TW" dirty="0" smtClean="0"/>
+              <a:t>, </a:t>
+            </a:r>
+            <a:r>
+              <a:rPr lang="zh-TW" altLang="en-US" dirty="0" smtClean="0"/>
+              <a:t>複寫了</a:t>
+            </a:r>
+            <a:r>
+              <a:rPr lang="en-US" altLang="zh-TW" dirty="0" err="1" smtClean="0"/>
+              <a:t>appDelegate.m</a:t>
+            </a:r>
+            <a:endParaRPr lang="en-US" altLang="zh-TW" dirty="0" smtClean="0"/>
+          </a:p>
+          <a:p>
+            <a:r>
+              <a:rPr lang="zh-TW" altLang="en-US" dirty="0" smtClean="0"/>
+              <a:t>安裝步驟</a:t>
+            </a:r>
+            <a:endParaRPr lang="en-US" altLang="zh-TW" dirty="0" smtClean="0"/>
+          </a:p>
+          <a:p>
+            <a:pPr lvl="1"/>
+            <a:r>
+              <a:rPr lang="en-US" altLang="zh-TW" dirty="0" smtClean="0"/>
+              <a:t>Cordova Plugin add </a:t>
+            </a:r>
+            <a:r>
+              <a:rPr lang="en-US" altLang="zh-TW" dirty="0" err="1" smtClean="0"/>
+              <a:t>ibeacon</a:t>
+            </a:r>
+            <a:endParaRPr lang="en-US" altLang="zh-TW" dirty="0" smtClean="0"/>
+          </a:p>
+          <a:p>
+            <a:pPr lvl="1"/>
+            <a:r>
+              <a:rPr lang="zh-TW" altLang="en-US" dirty="0" smtClean="0"/>
+              <a:t>複寫</a:t>
+            </a:r>
+            <a:r>
+              <a:rPr lang="en-US" altLang="zh-TW" dirty="0" err="1" smtClean="0"/>
+              <a:t>appDelegate.m</a:t>
+            </a:r>
+            <a:endParaRPr lang="en-US" altLang="zh-TW" dirty="0" smtClean="0"/>
+          </a:p>
+        </p:txBody>
+      </p:sp>
+    </p:spTree>
+    <p:extLst>
+      <p:ext uri="{BB962C8B-B14F-4D97-AF65-F5344CB8AC3E}">
+        <p14:creationId xmlns:p14="http://schemas.microsoft.com/office/powerpoint/2010/main" val="637013838"/>
+      </p:ext>
+    </p:extLst>
+  </p:cSld>
+  <p:clrMapOvr>
+    <a:masterClrMapping/>
+  </p:clrMapOvr>
+</p:sld>
+</file>
+
+<file path=ppt/slides/slide21.xml><?xml version="1.0" encoding="utf-8"?>
+<p:sld xmlns:a="http://schemas.openxmlformats.org/drawingml/2006/main" xmlns:r="http://schemas.openxmlformats.org/officeDocument/2006/relationships" xmlns:p="http://schemas.openxmlformats.org/presentationml/2006/main">
+  <p:cSld>
+    <p:spTree>
+      <p:nvGrpSpPr>
+        <p:cNvPr id="1" name=""/>
+        <p:cNvGrpSpPr/>
+        <p:nvPr/>
+      </p:nvGrpSpPr>
+      <p:grpSpPr>
+        <a:xfrm>
+          <a:off x="0" y="0"/>
+          <a:ext cx="0" cy="0"/>
+          <a:chOff x="0" y="0"/>
+          <a:chExt cx="0" cy="0"/>
+        </a:xfrm>
+      </p:grpSpPr>
+      <p:sp>
+        <p:nvSpPr>
+          <p:cNvPr id="2" name="標題 1"/>
+          <p:cNvSpPr>
+            <a:spLocks noGrp="1"/>
+          </p:cNvSpPr>
+          <p:nvPr>
+            <p:ph type="title"/>
+          </p:nvPr>
+        </p:nvSpPr>
+        <p:spPr/>
+        <p:txBody>
+          <a:bodyPr/>
+          <a:lstStyle/>
+          <a:p>
+            <a:endParaRPr lang="zh-TW" altLang="en-US" dirty="0"/>
+          </a:p>
+        </p:txBody>
+      </p:sp>
+      <p:pic>
+        <p:nvPicPr>
+          <p:cNvPr id="6" name="內容版面配置區 5"/>
+          <p:cNvPicPr>
+            <a:picLocks noGrp="1" noChangeAspect="1"/>
+          </p:cNvPicPr>
+          <p:nvPr>
+            <p:ph idx="1"/>
+          </p:nvPr>
+        </p:nvPicPr>
+        <p:blipFill>
+          <a:blip r:embed="rId2">
+            <a:extLst>
+              <a:ext uri="{28A0092B-C50C-407E-A947-70E740481C1C}">
+                <a14:useLocalDpi xmlns:a14="http://schemas.microsoft.com/office/drawing/2010/main" val="0"/>
+              </a:ext>
+            </a:extLst>
+          </a:blip>
+          <a:stretch>
+            <a:fillRect/>
+          </a:stretch>
+        </p:blipFill>
+        <p:spPr>
+          <a:xfrm>
+            <a:off x="611560" y="196572"/>
+            <a:ext cx="7848871" cy="6551812"/>
+          </a:xfrm>
+        </p:spPr>
+      </p:pic>
+    </p:spTree>
+    <p:extLst>
+      <p:ext uri="{BB962C8B-B14F-4D97-AF65-F5344CB8AC3E}">
+        <p14:creationId xmlns:p14="http://schemas.microsoft.com/office/powerpoint/2010/main" val="2452672321"/>
       </p:ext>
     </p:extLst>
   </p:cSld>
@@ -3336,77 +5733,204 @@
           <a:lstStyle/>
           <a:p>
             <a:r>
+              <a:rPr lang="en-US" altLang="zh-TW" dirty="0" smtClean="0"/>
+              <a:t>Cordova </a:t>
+            </a:r>
+            <a:r>
+              <a:rPr lang="zh-TW" altLang="en-US" dirty="0" smtClean="0"/>
+              <a:t>開發原則</a:t>
+            </a:r>
+            <a:endParaRPr lang="zh-TW" altLang="en-US" dirty="0"/>
+          </a:p>
+        </p:txBody>
+      </p:sp>
+      <p:sp>
+        <p:nvSpPr>
+          <p:cNvPr id="3" name="內容版面配置區 2"/>
+          <p:cNvSpPr>
+            <a:spLocks noGrp="1"/>
+          </p:cNvSpPr>
+          <p:nvPr>
+            <p:ph idx="1"/>
+          </p:nvPr>
+        </p:nvSpPr>
+        <p:spPr/>
+        <p:txBody>
+          <a:bodyPr>
+            <a:normAutofit fontScale="92500" lnSpcReduction="20000"/>
+          </a:bodyPr>
+          <a:lstStyle/>
+          <a:p>
+            <a:r>
+              <a:rPr lang="zh-TW" altLang="en-US" dirty="0" smtClean="0"/>
+              <a:t>是功能</a:t>
+            </a:r>
+            <a:r>
+              <a:rPr lang="en-US" altLang="zh-TW" dirty="0" smtClean="0"/>
+              <a:t>, </a:t>
+            </a:r>
+            <a:r>
+              <a:rPr lang="zh-TW" altLang="en-US" dirty="0" smtClean="0"/>
+              <a:t>不是系統</a:t>
+            </a:r>
+            <a:endParaRPr lang="en-US" altLang="zh-TW" dirty="0" smtClean="0"/>
+          </a:p>
+          <a:p>
+            <a:r>
+              <a:rPr lang="zh-TW" altLang="en-US" dirty="0"/>
+              <a:t>預設非同步</a:t>
+            </a:r>
+            <a:r>
+              <a:rPr lang="zh-TW" altLang="en-US" dirty="0" smtClean="0"/>
+              <a:t>運作</a:t>
+            </a:r>
+            <a:r>
+              <a:rPr lang="en-US" altLang="zh-TW" dirty="0" smtClean="0"/>
+              <a:t>, </a:t>
+            </a:r>
+            <a:r>
+              <a:rPr lang="zh-TW" altLang="en-US" dirty="0" smtClean="0"/>
+              <a:t>善用</a:t>
+            </a:r>
+            <a:r>
+              <a:rPr lang="en-US" altLang="zh-TW" dirty="0" smtClean="0"/>
+              <a:t>callback</a:t>
+            </a:r>
+          </a:p>
+          <a:p>
+            <a:pPr lvl="1"/>
+            <a:r>
+              <a:rPr lang="zh-TW" altLang="en-US" dirty="0"/>
+              <a:t>同步運作額外</a:t>
+            </a:r>
+            <a:r>
+              <a:rPr lang="zh-TW" altLang="en-US" dirty="0" smtClean="0"/>
+              <a:t>加</a:t>
+            </a:r>
+            <a:r>
+              <a:rPr lang="en-US" altLang="zh-TW" dirty="0" smtClean="0"/>
+              <a:t>Promise</a:t>
+            </a:r>
+          </a:p>
+          <a:p>
+            <a:pPr lvl="1"/>
+            <a:r>
+              <a:rPr lang="zh-TW" altLang="en-US" dirty="0" smtClean="0"/>
+              <a:t>參考：</a:t>
+            </a:r>
+            <a:r>
               <a:rPr lang="en-US" altLang="zh-TW" dirty="0" err="1" smtClean="0"/>
-              <a:t>InvestmentWebView</a:t>
-            </a:r>
+              <a:t>checkSslPinning</a:t>
+            </a:r>
+            <a:endParaRPr lang="en-US" altLang="zh-TW" dirty="0" smtClean="0"/>
+          </a:p>
+          <a:p>
+            <a:r>
+              <a:rPr lang="zh-TW" altLang="en-US" dirty="0" smtClean="0"/>
+              <a:t>當作</a:t>
+            </a:r>
+            <a:r>
+              <a:rPr lang="zh-TW" altLang="en-US" dirty="0"/>
+              <a:t>在做完全獨立的</a:t>
+            </a:r>
+            <a:r>
+              <a:rPr lang="zh-TW" altLang="en-US" dirty="0" smtClean="0"/>
+              <a:t>外掛</a:t>
+            </a:r>
+            <a:endParaRPr lang="en-US" altLang="zh-TW" dirty="0" smtClean="0"/>
+          </a:p>
+          <a:p>
+            <a:pPr lvl="1"/>
+            <a:r>
+              <a:rPr lang="zh-TW" altLang="en-US" dirty="0" smtClean="0"/>
+              <a:t>不要複寫主程式</a:t>
+            </a:r>
+            <a:endParaRPr lang="en-US" altLang="zh-TW" dirty="0" smtClean="0"/>
+          </a:p>
+          <a:p>
+            <a:pPr lvl="1"/>
+            <a:r>
+              <a:rPr lang="zh-TW" altLang="en-US" dirty="0" smtClean="0"/>
+              <a:t>不要</a:t>
+            </a:r>
+            <a:r>
+              <a:rPr lang="zh-TW" altLang="en-US" dirty="0"/>
+              <a:t>有</a:t>
+            </a:r>
+            <a:r>
+              <a:rPr lang="zh-TW" altLang="en-US" dirty="0" smtClean="0"/>
+              <a:t>額外安裝動作</a:t>
+            </a:r>
+            <a:endParaRPr lang="en-US" altLang="zh-TW" dirty="0" smtClean="0"/>
+          </a:p>
+          <a:p>
+            <a:r>
+              <a:rPr lang="zh-TW" altLang="en-US" dirty="0"/>
+              <a:t>來不及做完</a:t>
+            </a:r>
+            <a:r>
+              <a:rPr lang="zh-TW" altLang="en-US" dirty="0" smtClean="0"/>
+              <a:t>的錯誤示範</a:t>
+            </a:r>
+            <a:endParaRPr lang="en-US" altLang="zh-TW" dirty="0" smtClean="0"/>
+          </a:p>
+          <a:p>
+            <a:pPr lvl="1"/>
+            <a:r>
+              <a:rPr lang="en-US" altLang="zh-TW" dirty="0" err="1" smtClean="0"/>
+              <a:t>iBeacon</a:t>
+            </a:r>
+            <a:endParaRPr lang="en-US" altLang="zh-TW" dirty="0"/>
+          </a:p>
+          <a:p>
+            <a:pPr lvl="2"/>
+            <a:r>
+              <a:rPr lang="zh-TW" altLang="en-US" dirty="0" smtClean="0"/>
+              <a:t>應有獨立</a:t>
+            </a:r>
+            <a:r>
+              <a:rPr lang="zh-TW" altLang="en-US" dirty="0"/>
+              <a:t>的</a:t>
+            </a:r>
+            <a:r>
+              <a:rPr lang="en-US" altLang="zh-TW" dirty="0" err="1"/>
+              <a:t>appDelegate+ibeacon.m</a:t>
+            </a:r>
+            <a:endParaRPr lang="en-US" altLang="zh-TW" dirty="0"/>
+          </a:p>
+          <a:p>
+            <a:pPr lvl="2"/>
+            <a:r>
+              <a:rPr lang="zh-TW" altLang="en-US" dirty="0"/>
+              <a:t>安裝</a:t>
+            </a:r>
+            <a:r>
+              <a:rPr lang="en-US" altLang="zh-TW" dirty="0"/>
+              <a:t>/</a:t>
+            </a:r>
+            <a:r>
+              <a:rPr lang="zh-TW" altLang="en-US" dirty="0"/>
+              <a:t>移除 </a:t>
+            </a:r>
+            <a:r>
+              <a:rPr lang="en-US" altLang="zh-TW" dirty="0"/>
+              <a:t>plugin,</a:t>
+            </a:r>
+            <a:r>
+              <a:rPr lang="zh-TW" altLang="en-US" dirty="0"/>
+              <a:t> 都不應該有複寫行為</a:t>
+            </a:r>
+            <a:endParaRPr lang="en-US" altLang="zh-TW" dirty="0"/>
+          </a:p>
+          <a:p>
             <a:endParaRPr lang="zh-TW" altLang="en-US" dirty="0"/>
-          </a:p>
-        </p:txBody>
-      </p:sp>
-      <p:sp>
-        <p:nvSpPr>
-          <p:cNvPr id="3" name="內容版面配置區 2"/>
-          <p:cNvSpPr>
-            <a:spLocks noGrp="1"/>
-          </p:cNvSpPr>
-          <p:nvPr>
-            <p:ph idx="1"/>
-          </p:nvPr>
-        </p:nvSpPr>
-        <p:spPr/>
-        <p:txBody>
-          <a:bodyPr>
-            <a:normAutofit/>
-          </a:bodyPr>
-          <a:lstStyle/>
-          <a:p>
-            <a:r>
-              <a:rPr lang="en-US" altLang="zh-TW" dirty="0" err="1" smtClean="0"/>
-              <a:t>webView</a:t>
-            </a:r>
-            <a:endParaRPr lang="en-US" altLang="zh-TW" dirty="0" smtClean="0"/>
-          </a:p>
-          <a:p>
-            <a:r>
-              <a:rPr lang="zh-TW" altLang="en-US" dirty="0" smtClean="0"/>
-              <a:t>平台差異</a:t>
-            </a:r>
-            <a:endParaRPr lang="en-US" altLang="zh-TW" dirty="0" smtClean="0"/>
-          </a:p>
-          <a:p>
-            <a:pPr lvl="1"/>
-            <a:r>
-              <a:rPr lang="en-US" altLang="zh-TW" dirty="0" smtClean="0"/>
-              <a:t>Android: </a:t>
-            </a:r>
-            <a:r>
-              <a:rPr lang="en-US" altLang="zh-TW" dirty="0" err="1" smtClean="0"/>
-              <a:t>webview</a:t>
-            </a:r>
-            <a:endParaRPr lang="en-US" altLang="zh-TW" dirty="0" smtClean="0"/>
-          </a:p>
-          <a:p>
-            <a:pPr lvl="1"/>
-            <a:r>
-              <a:rPr lang="en-US" altLang="zh-TW" dirty="0" err="1" smtClean="0"/>
-              <a:t>iOS</a:t>
-            </a:r>
-            <a:r>
-              <a:rPr lang="en-US" altLang="zh-TW" dirty="0" smtClean="0"/>
-              <a:t>: </a:t>
-            </a:r>
-            <a:r>
-              <a:rPr lang="en-US" altLang="zh-TW" dirty="0" err="1" smtClean="0"/>
-              <a:t>UIWebView</a:t>
-            </a:r>
-            <a:endParaRPr lang="en-US" altLang="zh-TW" dirty="0" smtClean="0"/>
           </a:p>
         </p:txBody>
       </p:sp>
     </p:spTree>
     <p:extLst>
       <p:ext uri="{BB962C8B-B14F-4D97-AF65-F5344CB8AC3E}">
-        <p14:creationId xmlns:p14="http://schemas.microsoft.com/office/powerpoint/2010/main" val="2677307096"/>
+        <p14:creationId xmlns:p14="http://schemas.microsoft.com/office/powerpoint/2010/main" val="1781470089"/>
       </p:ext>
     </p:extLst>
   </p:cSld>
@@ -3449,33 +5973,57 @@
           <a:lstStyle/>
           <a:p>
             <a:r>
+              <a:rPr lang="en-US" altLang="zh-TW" dirty="0" smtClean="0"/>
+              <a:t>Cordova</a:t>
+            </a:r>
+            <a:r>
+              <a:rPr lang="zh-TW" altLang="en-US" dirty="0" smtClean="0"/>
+              <a:t>開發流程</a:t>
+            </a:r>
+            <a:endParaRPr lang="zh-TW" altLang="en-US" dirty="0"/>
+          </a:p>
+        </p:txBody>
+      </p:sp>
+      <p:sp>
+        <p:nvSpPr>
+          <p:cNvPr id="3" name="內容版面配置區 2"/>
+          <p:cNvSpPr>
+            <a:spLocks noGrp="1"/>
+          </p:cNvSpPr>
+          <p:nvPr>
+            <p:ph idx="1"/>
+          </p:nvPr>
+        </p:nvSpPr>
+        <p:spPr/>
+        <p:txBody>
+          <a:bodyPr>
+            <a:normAutofit fontScale="92500" lnSpcReduction="10000"/>
+          </a:bodyPr>
+          <a:lstStyle/>
+          <a:p>
+            <a:r>
+              <a:rPr lang="zh-TW" altLang="en-US" dirty="0" smtClean="0"/>
+              <a:t>草稿階段</a:t>
+            </a:r>
+            <a:endParaRPr lang="en-US" altLang="zh-TW" dirty="0" smtClean="0"/>
+          </a:p>
+          <a:p>
+            <a:pPr lvl="1"/>
+            <a:r>
+              <a:rPr lang="zh-TW" altLang="en-US" dirty="0" smtClean="0"/>
+              <a:t>適用平台</a:t>
+            </a:r>
+            <a:endParaRPr lang="en-US" altLang="zh-TW" dirty="0" smtClean="0"/>
+          </a:p>
+          <a:p>
+            <a:pPr lvl="2"/>
+            <a:r>
+              <a:rPr lang="en-US" altLang="zh-TW" dirty="0" smtClean="0"/>
+              <a:t>Android, </a:t>
+            </a:r>
+            <a:r>
               <a:rPr lang="en-US" altLang="zh-TW" dirty="0" err="1" smtClean="0"/>
-              <a:t>InvestmentWebView</a:t>
-            </a:r>
-            <a:endParaRPr lang="zh-TW" altLang="en-US" dirty="0"/>
-          </a:p>
-        </p:txBody>
-      </p:sp>
-      <p:sp>
-        <p:nvSpPr>
-          <p:cNvPr id="3" name="內容版面配置區 2"/>
-          <p:cNvSpPr>
-            <a:spLocks noGrp="1"/>
-          </p:cNvSpPr>
-          <p:nvPr>
-            <p:ph idx="1"/>
-          </p:nvPr>
-        </p:nvSpPr>
-        <p:spPr/>
-        <p:txBody>
-          <a:bodyPr>
-            <a:normAutofit fontScale="92500" lnSpcReduction="20000"/>
-          </a:bodyPr>
-          <a:lstStyle/>
-          <a:p>
-            <a:r>
-              <a:rPr lang="zh-TW" altLang="en-US" dirty="0" smtClean="0"/>
-              <a:t>特殊需求</a:t>
+              <a:t>ios</a:t>
             </a:r>
             <a:endParaRPr lang="en-US" altLang="zh-TW" dirty="0" smtClean="0"/>
           </a:p>
@@ -3483,38 +6031,19 @@
             <a:pPr lvl="1"/>
             <a:r>
               <a:rPr lang="zh-TW" altLang="en-US" dirty="0" smtClean="0"/>
-              <a:t>判斷</a:t>
-            </a:r>
-            <a:r>
-              <a:rPr lang="en-US" altLang="zh-TW" dirty="0" smtClean="0"/>
-              <a:t>&lt;button id=</a:t>
-            </a:r>
-            <a:r>
-              <a:rPr lang="zh-TW" altLang="en-US" dirty="0" smtClean="0">
-                <a:solidFill>
-                  <a:srgbClr val="FF0000"/>
-                </a:solidFill>
-              </a:rPr>
-              <a:t>關鍵字</a:t>
-            </a:r>
-            <a:r>
-              <a:rPr lang="en-US" altLang="zh-TW" dirty="0" smtClean="0"/>
-              <a:t>&gt;</a:t>
-            </a:r>
+              <a:t>可以提供的需求有幾個</a:t>
+            </a:r>
+            <a:endParaRPr lang="en-US" altLang="zh-TW" dirty="0" smtClean="0"/>
           </a:p>
           <a:p>
             <a:pPr lvl="2"/>
             <a:r>
-              <a:rPr lang="en-US" altLang="zh-TW" dirty="0" smtClean="0"/>
-              <a:t>CIP</a:t>
-            </a:r>
-            <a:r>
               <a:rPr lang="zh-TW" altLang="en-US" dirty="0"/>
-              <a:t> </a:t>
-            </a:r>
-            <a:r>
-              <a:rPr lang="zh-TW" altLang="en-US" dirty="0" smtClean="0"/>
-              <a:t>特有</a:t>
+              <a:t>知道要開幾個</a:t>
+            </a:r>
+            <a:r>
+              <a:rPr lang="zh-TW" altLang="en-US" dirty="0" smtClean="0"/>
+              <a:t>函數</a:t>
             </a:r>
             <a:endParaRPr lang="en-US" altLang="zh-TW" dirty="0" smtClean="0"/>
           </a:p>
@@ -3522,15 +6051,43 @@
             <a:pPr lvl="2"/>
             <a:r>
               <a:rPr lang="en-US" altLang="zh-TW" dirty="0" smtClean="0"/>
-              <a:t>ClosePageBtn2, </a:t>
-            </a:r>
-            <a:r>
-              <a:rPr lang="zh-TW" altLang="en-US" dirty="0" smtClean="0"/>
-              <a:t>關閉</a:t>
+              <a:t>Ex: </a:t>
+            </a:r>
+            <a:r>
+              <a:rPr lang="zh-TW" altLang="en-US" dirty="0" smtClean="0"/>
+              <a:t>開網頁</a:t>
+            </a:r>
+            <a:r>
+              <a:rPr lang="en-US" altLang="zh-TW" dirty="0" smtClean="0"/>
+              <a:t>, </a:t>
+            </a:r>
+            <a:r>
+              <a:rPr lang="zh-TW" altLang="en-US" dirty="0" smtClean="0"/>
+              <a:t>換頁</a:t>
+            </a:r>
+            <a:r>
+              <a:rPr lang="en-US" altLang="zh-TW" dirty="0" smtClean="0"/>
+              <a:t>, </a:t>
             </a:r>
             <a:r>
               <a:rPr lang="en-US" altLang="zh-TW" dirty="0" err="1" smtClean="0"/>
-              <a:t>webView</a:t>
+              <a:t>buttonId</a:t>
+            </a:r>
+            <a:r>
+              <a:rPr lang="zh-TW" altLang="en-US" dirty="0" smtClean="0"/>
+              <a:t>斷線</a:t>
+            </a:r>
+            <a:endParaRPr lang="en-US" altLang="zh-TW" dirty="0" smtClean="0"/>
+          </a:p>
+          <a:p>
+            <a:pPr lvl="1"/>
+            <a:r>
+              <a:rPr lang="zh-TW" altLang="en-US" dirty="0"/>
+              <a:t>函數</a:t>
+            </a:r>
+            <a:r>
+              <a:rPr lang="zh-TW" altLang="en-US" dirty="0" smtClean="0"/>
+              <a:t>名稱</a:t>
             </a:r>
             <a:r>
               <a:rPr lang="en-US" altLang="zh-TW" dirty="0" smtClean="0"/>
@@ -3538,146 +6095,86 @@
             </a:r>
             <a:r>
               <a:rPr lang="zh-TW" altLang="en-US" dirty="0" smtClean="0"/>
-              <a:t>導頁至基金排行榜</a:t>
+              <a:t>必要變數</a:t>
             </a:r>
             <a:endParaRPr lang="en-US" altLang="zh-TW" dirty="0" smtClean="0"/>
           </a:p>
           <a:p>
             <a:pPr lvl="2"/>
             <a:r>
+              <a:rPr lang="zh-TW" altLang="en-US" dirty="0"/>
+              <a:t>關係到原生開發的</a:t>
+            </a:r>
+            <a:r>
+              <a:rPr lang="zh-TW" altLang="en-US" dirty="0" smtClean="0"/>
+              <a:t>規則</a:t>
+            </a:r>
+            <a:endParaRPr lang="en-US" altLang="zh-TW" dirty="0" smtClean="0"/>
+          </a:p>
+          <a:p>
+            <a:pPr lvl="2"/>
+            <a:r>
+              <a:rPr lang="en-US" altLang="zh-TW" dirty="0" smtClean="0"/>
+              <a:t>Ex: </a:t>
+            </a:r>
+            <a:r>
               <a:rPr lang="en-US" altLang="zh-TW" dirty="0" err="1" smtClean="0"/>
-              <a:t>ClosePageBtn</a:t>
-            </a:r>
-            <a:endParaRPr lang="en-US" altLang="zh-TW" dirty="0" smtClean="0"/>
+              <a:t>openWeb</a:t>
+            </a:r>
+            <a:r>
+              <a:rPr lang="en-US" altLang="zh-TW" dirty="0" smtClean="0"/>
+              <a:t>, </a:t>
+            </a:r>
+            <a:r>
+              <a:rPr lang="en-US" altLang="zh-TW" dirty="0" err="1" smtClean="0"/>
+              <a:t>loadUrl</a:t>
+            </a:r>
+            <a:r>
+              <a:rPr lang="en-US" altLang="zh-TW" dirty="0" smtClean="0"/>
+              <a:t>, </a:t>
+            </a:r>
+            <a:r>
+              <a:rPr lang="en-US" altLang="zh-TW" dirty="0" err="1" smtClean="0"/>
+              <a:t>buttonId</a:t>
+            </a:r>
+            <a:endParaRPr lang="en-US" altLang="zh-TW" dirty="0" smtClean="0"/>
+          </a:p>
+          <a:p>
+            <a:pPr lvl="1"/>
+            <a:r>
+              <a:rPr lang="zh-TW" altLang="en-US" dirty="0"/>
+              <a:t>有沒有額外憑證或簽章是必要</a:t>
+            </a:r>
+            <a:r>
+              <a:rPr lang="zh-TW" altLang="en-US" dirty="0" smtClean="0"/>
+              <a:t>的</a:t>
+            </a:r>
+            <a:r>
+              <a:rPr lang="en-US" altLang="zh-TW" dirty="0" smtClean="0"/>
+              <a:t>?</a:t>
+            </a:r>
           </a:p>
           <a:p>
             <a:pPr lvl="2"/>
             <a:r>
-              <a:rPr lang="en-US" altLang="zh-TW" dirty="0" smtClean="0"/>
-              <a:t>ClosePageBtn1</a:t>
-            </a:r>
-          </a:p>
-          <a:p>
-            <a:pPr lvl="2"/>
-            <a:r>
-              <a:rPr lang="en-US" altLang="zh-TW" dirty="0" smtClean="0"/>
-              <a:t>ClosePageBtn3,</a:t>
-            </a:r>
-            <a:r>
-              <a:rPr lang="zh-TW" altLang="en-US" dirty="0" smtClean="0"/>
-              <a:t>關閉</a:t>
-            </a:r>
-            <a:r>
-              <a:rPr lang="en-US" altLang="zh-TW" dirty="0" err="1" smtClean="0"/>
-              <a:t>webView</a:t>
+              <a:rPr lang="zh-TW" altLang="en-US" dirty="0" smtClean="0"/>
+              <a:t>撰寫</a:t>
+            </a:r>
+            <a:r>
+              <a:rPr lang="en-US" altLang="zh-TW" dirty="0" smtClean="0"/>
+              <a:t>xml</a:t>
+            </a:r>
+            <a:r>
+              <a:rPr lang="zh-TW" altLang="en-US" dirty="0" smtClean="0"/>
+              <a:t>時就要放進去</a:t>
             </a:r>
             <a:endParaRPr lang="en-US" altLang="zh-TW" dirty="0" smtClean="0"/>
           </a:p>
           <a:p>
             <a:pPr lvl="1"/>
-            <a:r>
-              <a:rPr lang="zh-TW" altLang="en-US" dirty="0" smtClean="0"/>
-              <a:t>判斷</a:t>
-            </a:r>
-            <a:r>
-              <a:rPr lang="en-US" altLang="zh-TW" dirty="0" smtClean="0"/>
-              <a:t>URL</a:t>
-            </a:r>
-          </a:p>
-          <a:p>
-            <a:pPr lvl="2"/>
-            <a:r>
-              <a:rPr lang="en-US" altLang="zh-TW" dirty="0" smtClean="0"/>
-              <a:t>OFX</a:t>
-            </a:r>
-            <a:r>
-              <a:rPr lang="zh-TW" altLang="en-US" dirty="0" smtClean="0"/>
-              <a:t>網頁</a:t>
-            </a:r>
-            <a:endParaRPr lang="en-US" altLang="zh-TW" dirty="0" smtClean="0"/>
-          </a:p>
-          <a:p>
-            <a:pPr lvl="2"/>
-            <a:r>
-              <a:rPr lang="en-US" altLang="zh-TW" dirty="0" err="1">
-                <a:solidFill>
-                  <a:srgbClr val="FF0000"/>
-                </a:solidFill>
-              </a:rPr>
-              <a:t>scb</a:t>
-            </a:r>
-            <a:r>
-              <a:rPr lang="en-US" altLang="zh-TW" dirty="0">
-                <a:solidFill>
-                  <a:srgbClr val="FF0000"/>
-                </a:solidFill>
-              </a:rPr>
-              <a:t>/</a:t>
-            </a:r>
-            <a:r>
-              <a:rPr lang="en-US" altLang="zh-TW" dirty="0" err="1">
-                <a:solidFill>
-                  <a:srgbClr val="FF0000"/>
-                </a:solidFill>
-              </a:rPr>
-              <a:t>sso_login?SSCode</a:t>
-            </a:r>
-            <a:r>
-              <a:rPr lang="en-US" altLang="zh-TW" dirty="0" smtClean="0">
-                <a:solidFill>
-                  <a:srgbClr val="FF0000"/>
-                </a:solidFill>
-              </a:rPr>
-              <a:t>=</a:t>
-            </a:r>
-            <a:endParaRPr lang="en-US" altLang="zh-TW" dirty="0">
-              <a:solidFill>
-                <a:srgbClr val="FF0000"/>
-              </a:solidFill>
-            </a:endParaRPr>
-          </a:p>
-          <a:p>
-            <a:pPr lvl="2"/>
-            <a:r>
-              <a:rPr lang="zh-TW" altLang="en-US" dirty="0" smtClean="0"/>
-              <a:t>動作</a:t>
-            </a:r>
-            <a:r>
-              <a:rPr lang="en-US" altLang="zh-TW" dirty="0" smtClean="0"/>
-              <a:t>: </a:t>
-            </a:r>
-            <a:r>
-              <a:rPr lang="zh-TW" altLang="en-US" dirty="0" smtClean="0"/>
-              <a:t>立即關閉</a:t>
-            </a:r>
-            <a:r>
-              <a:rPr lang="en-US" altLang="zh-TW" dirty="0" err="1" smtClean="0"/>
-              <a:t>webView</a:t>
-            </a:r>
-            <a:endParaRPr lang="zh-TW" altLang="en-US" dirty="0" smtClean="0"/>
-          </a:p>
-          <a:p>
-            <a:pPr lvl="1"/>
-            <a:r>
-              <a:rPr lang="zh-TW" altLang="en-US" dirty="0" smtClean="0"/>
-              <a:t>原生傳回關鍵內容</a:t>
-            </a:r>
-            <a:r>
-              <a:rPr lang="en-US" altLang="zh-TW" dirty="0" smtClean="0"/>
-              <a:t>, </a:t>
-            </a:r>
-            <a:r>
-              <a:rPr lang="zh-TW" altLang="en-US" dirty="0" smtClean="0"/>
-              <a:t>交給</a:t>
-            </a:r>
-            <a:r>
-              <a:rPr lang="en-US" altLang="zh-TW" dirty="0" smtClean="0"/>
-              <a:t>vue.js</a:t>
-            </a:r>
-            <a:r>
-              <a:rPr lang="zh-TW" altLang="en-US" dirty="0" smtClean="0"/>
-              <a:t>判斷</a:t>
-            </a:r>
+            <a:endParaRPr lang="en-US" altLang="zh-TW" dirty="0" smtClean="0"/>
+          </a:p>
+          <a:p>
             <a:endParaRPr lang="zh-TW" altLang="en-US" dirty="0"/>
           </a:p>
         </p:txBody>
@@ -3685,7 +6182,7 @@
     </p:spTree>
     <p:extLst>
       <p:ext uri="{BB962C8B-B14F-4D97-AF65-F5344CB8AC3E}">
-        <p14:creationId xmlns:p14="http://schemas.microsoft.com/office/powerpoint/2010/main" val="2985205127"/>
+        <p14:creationId xmlns:p14="http://schemas.microsoft.com/office/powerpoint/2010/main" val="474476286"/>
       </p:ext>
     </p:extLst>
   </p:cSld>
@@ -3728,224 +6225,170 @@
           <a:lstStyle/>
           <a:p>
             <a:r>
+              <a:rPr lang="en-US" altLang="zh-TW" dirty="0"/>
+              <a:t>Cordova</a:t>
+            </a:r>
+            <a:r>
+              <a:rPr lang="zh-TW" altLang="en-US" dirty="0"/>
+              <a:t>開發流程</a:t>
+            </a:r>
+          </a:p>
+        </p:txBody>
+      </p:sp>
+      <p:sp>
+        <p:nvSpPr>
+          <p:cNvPr id="3" name="內容版面配置區 2"/>
+          <p:cNvSpPr>
+            <a:spLocks noGrp="1"/>
+          </p:cNvSpPr>
+          <p:nvPr>
+            <p:ph idx="1"/>
+          </p:nvPr>
+        </p:nvSpPr>
+        <p:spPr/>
+        <p:txBody>
+          <a:bodyPr/>
+          <a:lstStyle/>
+          <a:p>
+            <a:r>
+              <a:rPr lang="zh-TW" altLang="en-US" dirty="0" smtClean="0"/>
+              <a:t>設定</a:t>
+            </a:r>
+            <a:r>
+              <a:rPr lang="en-US" altLang="zh-TW" dirty="0" smtClean="0"/>
+              <a:t>Cordova</a:t>
+            </a:r>
+            <a:r>
+              <a:rPr lang="zh-TW" altLang="en-US" dirty="0" smtClean="0"/>
+              <a:t>本身資料</a:t>
+            </a:r>
+            <a:endParaRPr lang="en-US" altLang="zh-TW" dirty="0" smtClean="0"/>
+          </a:p>
+          <a:p>
+            <a:r>
+              <a:rPr lang="en-US" altLang="zh-TW" dirty="0" smtClean="0"/>
+              <a:t>plugin.xml</a:t>
+            </a:r>
+          </a:p>
+          <a:p>
+            <a:pPr lvl="1"/>
+            <a:r>
               <a:rPr lang="en-US" altLang="zh-TW" dirty="0" err="1" smtClean="0"/>
-              <a:t>InvestmentWebView</a:t>
-            </a:r>
+              <a:t>Js-module.clobbers</a:t>
+            </a:r>
+            <a:endParaRPr lang="en-US" altLang="zh-TW" dirty="0"/>
+          </a:p>
+          <a:p>
+            <a:pPr lvl="2"/>
+            <a:r>
+              <a:rPr lang="zh-TW" altLang="en-US" dirty="0" smtClean="0"/>
+              <a:t>網頁端要用甚麼名字呼叫外掛</a:t>
+            </a:r>
+            <a:endParaRPr lang="en-US" altLang="zh-TW" dirty="0" smtClean="0"/>
+          </a:p>
+          <a:p>
+            <a:pPr lvl="2"/>
+            <a:endParaRPr lang="en-US" altLang="zh-TW" dirty="0"/>
+          </a:p>
+          <a:p>
+            <a:pPr lvl="2"/>
+            <a:endParaRPr lang="en-US" altLang="zh-TW" dirty="0" smtClean="0"/>
+          </a:p>
+          <a:p>
+            <a:pPr lvl="1"/>
+            <a:r>
+              <a:rPr lang="zh-TW" altLang="en-US" dirty="0"/>
+              <a:t>不同平台的資源檔寫法不同</a:t>
+            </a:r>
+            <a:endParaRPr lang="en-US" altLang="zh-TW" dirty="0" smtClean="0"/>
+          </a:p>
+          <a:p>
+            <a:pPr lvl="2"/>
             <a:endParaRPr lang="zh-TW" altLang="en-US" dirty="0"/>
           </a:p>
         </p:txBody>
       </p:sp>
-      <p:sp>
-        <p:nvSpPr>
-          <p:cNvPr id="3" name="內容版面配置區 2"/>
-          <p:cNvSpPr>
-            <a:spLocks noGrp="1"/>
-          </p:cNvSpPr>
-          <p:nvPr>
-            <p:ph idx="1"/>
-          </p:nvPr>
-        </p:nvSpPr>
-        <p:spPr/>
-        <p:txBody>
-          <a:bodyPr>
-            <a:normAutofit fontScale="85000" lnSpcReduction="20000"/>
-          </a:bodyPr>
-          <a:lstStyle/>
-          <a:p>
-            <a:r>
-              <a:rPr lang="zh-TW" altLang="en-US" dirty="0" smtClean="0"/>
-              <a:t>回傳</a:t>
-            </a:r>
-            <a:r>
-              <a:rPr lang="en-US" altLang="zh-TW" dirty="0" smtClean="0"/>
-              <a:t>button id</a:t>
-            </a:r>
-          </a:p>
-          <a:p>
-            <a:pPr lvl="1"/>
-            <a:r>
-              <a:rPr lang="zh-TW" altLang="en-US" dirty="0" smtClean="0"/>
-              <a:t>等網頁讀取完畢</a:t>
-            </a:r>
-            <a:endParaRPr lang="en-US" altLang="zh-TW" dirty="0" smtClean="0"/>
-          </a:p>
-          <a:p>
-            <a:pPr lvl="1"/>
-            <a:r>
-              <a:rPr lang="zh-TW" altLang="en-US" dirty="0" smtClean="0"/>
-              <a:t>塞入</a:t>
-            </a:r>
-            <a:r>
-              <a:rPr lang="en-US" altLang="zh-TW" dirty="0" err="1" smtClean="0"/>
-              <a:t>javascript</a:t>
-            </a:r>
-            <a:endParaRPr lang="en-US" altLang="zh-TW" dirty="0" smtClean="0"/>
-          </a:p>
-          <a:p>
-            <a:pPr lvl="2"/>
-            <a:r>
-              <a:rPr lang="en-US" altLang="zh-TW" dirty="0" smtClean="0"/>
-              <a:t>Android: </a:t>
-            </a:r>
-            <a:r>
-              <a:rPr lang="en-US" altLang="zh-TW" dirty="0" err="1"/>
-              <a:t>addJavascriptInterface</a:t>
-            </a:r>
-            <a:endParaRPr lang="en-US" altLang="zh-TW" dirty="0"/>
-          </a:p>
-          <a:p>
-            <a:pPr lvl="2"/>
-            <a:r>
-              <a:rPr lang="en-US" altLang="zh-TW" dirty="0" err="1" smtClean="0"/>
-              <a:t>iOS</a:t>
-            </a:r>
-            <a:r>
-              <a:rPr lang="en-US" altLang="zh-TW" dirty="0" smtClean="0"/>
-              <a:t>: </a:t>
-            </a:r>
-            <a:r>
-              <a:rPr lang="en-US" altLang="zh-TW" dirty="0" err="1" smtClean="0"/>
-              <a:t>stringByEvaluatingJavaScriptFromString</a:t>
-            </a:r>
-            <a:endParaRPr lang="en-US" altLang="zh-TW" dirty="0" smtClean="0"/>
-          </a:p>
-          <a:p>
-            <a:pPr lvl="1"/>
-            <a:r>
-              <a:rPr lang="en-US" altLang="zh-TW" dirty="0" err="1" smtClean="0"/>
-              <a:t>Javascript</a:t>
-            </a:r>
-            <a:r>
-              <a:rPr lang="zh-TW" altLang="en-US" dirty="0" smtClean="0"/>
-              <a:t>會呼叫原生函數</a:t>
-            </a:r>
-            <a:r>
-              <a:rPr lang="en-US" altLang="zh-TW" dirty="0" smtClean="0"/>
-              <a:t>, </a:t>
-            </a:r>
-            <a:r>
-              <a:rPr lang="zh-TW" altLang="en-US" dirty="0" smtClean="0"/>
-              <a:t>得到</a:t>
-            </a:r>
-            <a:r>
-              <a:rPr lang="en-US" altLang="zh-TW" dirty="0" smtClean="0"/>
-              <a:t>button id</a:t>
-            </a:r>
-          </a:p>
-          <a:p>
-            <a:pPr lvl="1"/>
-            <a:r>
-              <a:rPr lang="zh-TW" altLang="en-US" dirty="0"/>
-              <a:t>回</a:t>
-            </a:r>
-            <a:r>
-              <a:rPr lang="zh-TW" altLang="en-US" dirty="0" smtClean="0"/>
-              <a:t>傳</a:t>
-            </a:r>
-            <a:r>
-              <a:rPr lang="zh-TW" altLang="en-US" dirty="0"/>
-              <a:t> </a:t>
-            </a:r>
-            <a:r>
-              <a:rPr lang="en-US" altLang="zh-TW" dirty="0" smtClean="0"/>
-              <a:t>button id </a:t>
-            </a:r>
-            <a:r>
-              <a:rPr lang="zh-TW" altLang="en-US" dirty="0" smtClean="0"/>
-              <a:t>給 </a:t>
-            </a:r>
-            <a:r>
-              <a:rPr lang="en-US" altLang="zh-TW" dirty="0" err="1" smtClean="0"/>
-              <a:t>vue</a:t>
-            </a:r>
-            <a:endParaRPr lang="en-US" altLang="zh-TW" dirty="0" smtClean="0"/>
-          </a:p>
-          <a:p>
-            <a:r>
-              <a:rPr lang="zh-TW" altLang="en-US" dirty="0" smtClean="0"/>
-              <a:t>判斷</a:t>
-            </a:r>
-            <a:r>
-              <a:rPr lang="en-US" altLang="zh-TW" dirty="0" smtClean="0"/>
-              <a:t>URL</a:t>
-            </a:r>
-          </a:p>
-          <a:p>
-            <a:pPr lvl="1"/>
-            <a:r>
-              <a:rPr lang="zh-TW" altLang="en-US" dirty="0"/>
-              <a:t>攔截換頁</a:t>
-            </a:r>
-            <a:r>
-              <a:rPr lang="zh-TW" altLang="en-US" dirty="0" smtClean="0"/>
-              <a:t>函數</a:t>
-            </a:r>
-            <a:endParaRPr lang="en-US" altLang="zh-TW" dirty="0" smtClean="0"/>
-          </a:p>
-          <a:p>
-            <a:pPr lvl="2"/>
-            <a:r>
-              <a:rPr lang="en-US" altLang="zh-TW" dirty="0" smtClean="0"/>
-              <a:t>Android: </a:t>
-            </a:r>
-            <a:r>
-              <a:rPr lang="en-US" altLang="zh-TW" dirty="0" err="1" smtClean="0"/>
-              <a:t>onPageStarted</a:t>
-            </a:r>
-            <a:endParaRPr lang="en-US" altLang="zh-TW" dirty="0" smtClean="0"/>
-          </a:p>
-          <a:p>
-            <a:pPr lvl="2"/>
-            <a:r>
-              <a:rPr lang="en-US" altLang="zh-TW" dirty="0" err="1" smtClean="0"/>
-              <a:t>iOS</a:t>
-            </a:r>
-            <a:r>
-              <a:rPr lang="en-US" altLang="zh-TW" dirty="0" smtClean="0"/>
-              <a:t>: </a:t>
-            </a:r>
-            <a:r>
-              <a:rPr lang="en-US" altLang="zh-TW" dirty="0" err="1" smtClean="0"/>
-              <a:t>shouldStartLoadWithRequest</a:t>
-            </a:r>
-            <a:endParaRPr lang="en-US" altLang="zh-TW" dirty="0" smtClean="0"/>
-          </a:p>
-          <a:p>
-            <a:pPr lvl="1"/>
-            <a:r>
-              <a:rPr lang="zh-TW" altLang="en-US" dirty="0"/>
-              <a:t>回</a:t>
-            </a:r>
-            <a:r>
-              <a:rPr lang="zh-TW" altLang="en-US" dirty="0" smtClean="0"/>
-              <a:t>傳</a:t>
-            </a:r>
-            <a:r>
-              <a:rPr lang="en-US" altLang="zh-TW" dirty="0" smtClean="0"/>
-              <a:t>URL</a:t>
-            </a:r>
-            <a:r>
-              <a:rPr lang="zh-TW" altLang="en-US" dirty="0" smtClean="0"/>
-              <a:t>給 </a:t>
-            </a:r>
-            <a:r>
-              <a:rPr lang="en-US" altLang="zh-TW" dirty="0" err="1" smtClean="0"/>
-              <a:t>vue</a:t>
-            </a:r>
-            <a:endParaRPr lang="zh-TW" altLang="en-US" dirty="0"/>
-          </a:p>
-        </p:txBody>
-      </p:sp>
+      <p:pic>
+        <p:nvPicPr>
+          <p:cNvPr id="1026" name="Picture 2"/>
+          <p:cNvPicPr>
+            <a:picLocks noChangeAspect="1" noChangeArrowheads="1"/>
+          </p:cNvPicPr>
+          <p:nvPr/>
+        </p:nvPicPr>
+        <p:blipFill>
+          <a:blip r:embed="rId2">
+            <a:extLst>
+              <a:ext uri="{28A0092B-C50C-407E-A947-70E740481C1C}">
+                <a14:useLocalDpi xmlns:a14="http://schemas.microsoft.com/office/drawing/2010/main" val="0"/>
+              </a:ext>
+            </a:extLst>
+          </a:blip>
+          <a:srcRect/>
+          <a:stretch>
+            <a:fillRect/>
+          </a:stretch>
+        </p:blipFill>
+        <p:spPr bwMode="auto">
+          <a:xfrm>
+            <a:off x="1691680" y="3733800"/>
+            <a:ext cx="5638800" cy="609600"/>
+          </a:xfrm>
+          <a:prstGeom prst="rect">
+            <a:avLst/>
+          </a:prstGeom>
+          <a:noFill/>
+          <a:ln>
+            <a:noFill/>
+          </a:ln>
+          <a:effectLst/>
+          <a:extLst>
+            <a:ext uri="{909E8E84-426E-40DD-AFC4-6F175D3DCCD1}">
+              <a14:hiddenFill xmlns:a14="http://schemas.microsoft.com/office/drawing/2010/main">
+                <a:solidFill>
+                  <a:schemeClr val="accent1"/>
+                </a:solidFill>
+              </a14:hiddenFill>
+            </a:ext>
+            <a:ext uri="{91240B29-F687-4F45-9708-019B960494DF}">
+              <a14:hiddenLine xmlns:a14="http://schemas.microsoft.com/office/drawing/2010/main" w="9525">
+                <a:solidFill>
+                  <a:schemeClr val="tx1"/>
+                </a:solidFill>
+                <a:miter lim="800000"/>
+                <a:headEnd/>
+                <a:tailEnd/>
+              </a14:hiddenLine>
+            </a:ext>
+            <a:ext uri="{AF507438-7753-43E0-B8FC-AC1667EBCBE1}">
+              <a14:hiddenEffects xmlns:a14="http://schemas.microsoft.com/office/drawing/2010/main">
+                <a:effectLst>
+                  <a:outerShdw dist="35921" dir="2700000" algn="ctr" rotWithShape="0">
+                    <a:schemeClr val="bg2"/>
+                  </a:outerShdw>
+                </a:effectLst>
+              </a14:hiddenEffects>
+            </a:ext>
+          </a:extLst>
+        </p:spPr>
+      </p:pic>
     </p:spTree>
     <p:extLst>
       <p:ext uri="{BB962C8B-B14F-4D97-AF65-F5344CB8AC3E}">
-        <p14:creationId xmlns:p14="http://schemas.microsoft.com/office/powerpoint/2010/main" val="2267443332"/>
+        <p14:creationId xmlns:p14="http://schemas.microsoft.com/office/powerpoint/2010/main" val="2705205725"/>
       </p:ext>
     </p:extLst>
   </p:cSld>
   <p:clrMapOvr>
     <a:masterClrMapping/>
   </p:clrMapOvr>
+  <p:timing>
+    <p:tnLst>
+      <p:par>
+        <p:cTn id="1" dur="indefinite" restart="never" nodeType="tmRoot"/>
+      </p:par>
+    </p:tnLst>
+  </p:timing>
 </p:sld>
 </file>
 
@@ -3982,10 +6425,13 @@
           <a:lstStyle/>
           <a:p>
             <a:r>
-              <a:rPr lang="en-US" altLang="zh-TW" dirty="0" err="1" smtClean="0"/>
-              <a:t>geoFence</a:t>
-            </a:r>
-            <a:endParaRPr lang="zh-TW" altLang="en-US" dirty="0"/>
+              <a:rPr lang="en-US" altLang="zh-TW" dirty="0"/>
+              <a:t>Cordova</a:t>
+            </a:r>
+            <a:r>
+              <a:rPr lang="zh-TW" altLang="en-US" dirty="0"/>
+              <a:t>開發流程</a:t>
+            </a:r>
           </a:p>
         </p:txBody>
       </p:sp>
@@ -4001,170 +6447,781 @@
         </p:nvSpPr>
         <p:spPr/>
         <p:txBody>
-          <a:bodyPr>
-            <a:normAutofit fontScale="92500" lnSpcReduction="20000"/>
-          </a:bodyPr>
-          <a:lstStyle/>
-          <a:p>
-            <a:r>
-              <a:rPr lang="zh-TW" altLang="en-US" dirty="0" smtClean="0"/>
-              <a:t>地理柵欄</a:t>
-            </a:r>
-            <a:endParaRPr lang="en-US" altLang="zh-TW" dirty="0" smtClean="0"/>
+          <a:bodyPr/>
+          <a:lstStyle/>
+          <a:p>
+            <a:r>
+              <a:rPr lang="en-US" altLang="zh-TW" sz="2800" dirty="0" smtClean="0"/>
+              <a:t>Cordova</a:t>
+            </a:r>
+            <a:r>
+              <a:rPr lang="zh-TW" altLang="en-US" sz="2800" dirty="0"/>
+              <a:t>對網頁端唯一接</a:t>
+            </a:r>
+            <a:r>
+              <a:rPr lang="zh-TW" altLang="en-US" sz="2800" dirty="0" smtClean="0"/>
+              <a:t>口</a:t>
+            </a:r>
+            <a:endParaRPr lang="en-US" altLang="zh-TW" sz="2800" dirty="0" smtClean="0"/>
           </a:p>
           <a:p>
             <a:pPr lvl="1"/>
             <a:r>
-              <a:rPr lang="zh-TW" altLang="en-US" dirty="0"/>
-              <a:t>一天只通知</a:t>
-            </a:r>
-            <a:r>
-              <a:rPr lang="zh-TW" altLang="en-US" dirty="0" smtClean="0"/>
-              <a:t>一次</a:t>
-            </a:r>
-            <a:endParaRPr lang="en-US" altLang="zh-TW" dirty="0" smtClean="0"/>
-          </a:p>
-          <a:p>
-            <a:pPr lvl="2"/>
-            <a:r>
-              <a:rPr lang="zh-TW" altLang="en-US" dirty="0"/>
-              <a:t>前景</a:t>
-            </a:r>
-            <a:r>
-              <a:rPr lang="en-US" altLang="zh-TW" dirty="0" smtClean="0"/>
+              <a:rPr lang="en-US" altLang="zh-TW" sz="2400" dirty="0" smtClean="0"/>
+              <a:t>www/XXX.js</a:t>
+            </a:r>
+          </a:p>
+          <a:p>
+            <a:r>
+              <a:rPr lang="en-US" altLang="zh-TW" sz="2800" dirty="0" smtClean="0"/>
+              <a:t>Cordova</a:t>
+            </a:r>
+            <a:r>
+              <a:rPr lang="zh-TW" altLang="en-US" sz="2800" dirty="0" smtClean="0"/>
+              <a:t>對原生唯一接口</a:t>
+            </a:r>
+            <a:endParaRPr lang="en-US" altLang="zh-TW" sz="2800" dirty="0" smtClean="0"/>
+          </a:p>
+          <a:p>
+            <a:pPr lvl="1"/>
+            <a:r>
+              <a:rPr lang="en-US" altLang="zh-TW" sz="2400" dirty="0" smtClean="0"/>
+              <a:t>www/XXX.js</a:t>
+            </a:r>
+          </a:p>
+          <a:p>
+            <a:r>
+              <a:rPr lang="zh-TW" altLang="en-US" sz="2800" dirty="0"/>
+              <a:t>原生端唯一能</a:t>
+            </a:r>
+            <a:r>
+              <a:rPr lang="zh-TW" altLang="en-US" sz="2800" dirty="0" smtClean="0"/>
+              <a:t>呼叫</a:t>
+            </a:r>
+            <a:r>
+              <a:rPr lang="en-US" altLang="zh-TW" sz="2800" dirty="0" smtClean="0"/>
+              <a:t>Cordova</a:t>
+            </a:r>
+            <a:r>
+              <a:rPr lang="zh-TW" altLang="en-US" sz="2800" dirty="0" smtClean="0"/>
+              <a:t>的</a:t>
+            </a:r>
+            <a:r>
+              <a:rPr lang="en-US" altLang="zh-TW" sz="2800" dirty="0" smtClean="0"/>
+              <a:t>class</a:t>
+            </a:r>
+          </a:p>
+          <a:p>
+            <a:pPr lvl="1"/>
+            <a:r>
+              <a:rPr lang="en-US" altLang="zh-TW" sz="2400" dirty="0" smtClean="0"/>
+              <a:t>Android: </a:t>
+            </a:r>
+            <a:r>
+              <a:rPr lang="en-US" altLang="zh-TW" sz="2400" dirty="0" err="1"/>
+              <a:t>CordovaPlugin</a:t>
+            </a:r>
+            <a:endParaRPr lang="en-US" altLang="zh-TW" sz="2400" dirty="0"/>
+          </a:p>
+          <a:p>
+            <a:pPr lvl="1"/>
+            <a:r>
+              <a:rPr lang="en-US" altLang="zh-TW" sz="2400" dirty="0" err="1" smtClean="0"/>
+              <a:t>iOS</a:t>
+            </a:r>
+            <a:r>
+              <a:rPr lang="en-US" altLang="zh-TW" sz="2400" dirty="0" smtClean="0"/>
               <a:t>: </a:t>
             </a:r>
             <a:r>
-              <a:rPr lang="zh-TW" altLang="en-US" dirty="0" smtClean="0"/>
-              <a:t>送出</a:t>
-            </a:r>
-            <a:r>
-              <a:rPr lang="en-US" altLang="zh-TW" dirty="0" smtClean="0"/>
-              <a:t>dialog</a:t>
-            </a:r>
-          </a:p>
-          <a:p>
-            <a:pPr lvl="2"/>
-            <a:r>
-              <a:rPr lang="zh-TW" altLang="en-US" dirty="0" smtClean="0"/>
-              <a:t>背景</a:t>
-            </a:r>
-            <a:r>
-              <a:rPr lang="en-US" altLang="zh-TW" dirty="0" smtClean="0"/>
-              <a:t>: </a:t>
-            </a:r>
-            <a:r>
-              <a:rPr lang="zh-TW" altLang="en-US" dirty="0" smtClean="0"/>
-              <a:t>按下</a:t>
-            </a:r>
-            <a:r>
-              <a:rPr lang="en-US" altLang="zh-TW" smtClean="0"/>
-              <a:t>notification</a:t>
-            </a:r>
-            <a:endParaRPr lang="en-US" altLang="zh-TW" dirty="0" smtClean="0"/>
-          </a:p>
-          <a:p>
-            <a:r>
-              <a:rPr lang="zh-TW" altLang="en-US" dirty="0"/>
-              <a:t>平台</a:t>
-            </a:r>
-            <a:r>
-              <a:rPr lang="zh-TW" altLang="en-US" dirty="0" smtClean="0"/>
-              <a:t>差異</a:t>
-            </a:r>
-            <a:r>
-              <a:rPr lang="en-US" altLang="zh-TW" dirty="0" smtClean="0"/>
-              <a:t>:</a:t>
-            </a:r>
-          </a:p>
-          <a:p>
-            <a:pPr lvl="1"/>
-            <a:r>
-              <a:rPr lang="en-US" altLang="zh-TW" dirty="0" smtClean="0"/>
-              <a:t>Android:</a:t>
-            </a:r>
-          </a:p>
-          <a:p>
-            <a:pPr lvl="2"/>
-            <a:r>
-              <a:rPr lang="en-US" altLang="zh-TW" dirty="0" smtClean="0"/>
-              <a:t>10</a:t>
-            </a:r>
-            <a:r>
-              <a:rPr lang="zh-TW" altLang="en-US" dirty="0" smtClean="0"/>
-              <a:t>分鐘排程檢查一次觸發</a:t>
-            </a:r>
-            <a:endParaRPr lang="en-US" altLang="zh-TW" dirty="0" smtClean="0"/>
-          </a:p>
-          <a:p>
-            <a:pPr lvl="2"/>
-            <a:r>
-              <a:rPr lang="en-US" altLang="zh-TW" dirty="0" smtClean="0"/>
-              <a:t>3</a:t>
-            </a:r>
-            <a:r>
-              <a:rPr lang="zh-TW" altLang="en-US" dirty="0" smtClean="0"/>
-              <a:t>分鐘持續檢查</a:t>
-            </a:r>
-            <a:endParaRPr lang="en-US" altLang="zh-TW" dirty="0" smtClean="0"/>
-          </a:p>
-          <a:p>
-            <a:pPr lvl="2"/>
-            <a:r>
-              <a:rPr lang="en-US" altLang="zh-TW" dirty="0" err="1" smtClean="0"/>
-              <a:t>JobScheduler</a:t>
-            </a:r>
-            <a:r>
-              <a:rPr lang="en-US" altLang="zh-TW" dirty="0" smtClean="0"/>
-              <a:t>, </a:t>
-            </a:r>
-            <a:r>
-              <a:rPr lang="en-US" altLang="zh-TW" dirty="0" err="1"/>
-              <a:t>getFusedLocationProviderClient</a:t>
-            </a:r>
-            <a:endParaRPr lang="en-US" altLang="zh-TW" dirty="0"/>
-          </a:p>
-          <a:p>
-            <a:pPr lvl="1"/>
-            <a:r>
-              <a:rPr lang="en-US" altLang="zh-TW" dirty="0" err="1" smtClean="0"/>
-              <a:t>iOS</a:t>
-            </a:r>
-            <a:r>
-              <a:rPr lang="en-US" altLang="zh-TW" dirty="0" smtClean="0"/>
-              <a:t>:</a:t>
-            </a:r>
-          </a:p>
-          <a:p>
-            <a:pPr lvl="2"/>
-            <a:r>
-              <a:rPr lang="zh-TW" altLang="en-US" dirty="0"/>
-              <a:t>定位變更就</a:t>
-            </a:r>
-            <a:r>
-              <a:rPr lang="zh-TW" altLang="en-US" dirty="0" smtClean="0"/>
-              <a:t>觸發</a:t>
-            </a:r>
-            <a:endParaRPr lang="en-US" altLang="zh-TW" dirty="0" smtClean="0"/>
-          </a:p>
-          <a:p>
-            <a:pPr lvl="2"/>
-            <a:r>
-              <a:rPr lang="en-US" altLang="zh-TW" dirty="0" err="1" smtClean="0"/>
-              <a:t>locationManager</a:t>
-            </a:r>
-            <a:endParaRPr lang="en-US" altLang="zh-TW" dirty="0"/>
-          </a:p>
-          <a:p>
-            <a:pPr lvl="1"/>
-            <a:endParaRPr lang="zh-TW" altLang="en-US" dirty="0"/>
-          </a:p>
-        </p:txBody>
-      </p:sp>
+              <a:rPr lang="en-US" altLang="zh-TW" sz="2400" dirty="0" err="1" smtClean="0"/>
+              <a:t>CDVPlugin</a:t>
+            </a:r>
+            <a:endParaRPr lang="en-US" altLang="zh-TW" dirty="0" smtClean="0"/>
+          </a:p>
+        </p:txBody>
+      </p:sp>
+      <p:pic>
+        <p:nvPicPr>
+          <p:cNvPr id="2050" name="Picture 2"/>
+          <p:cNvPicPr>
+            <a:picLocks noChangeAspect="1" noChangeArrowheads="1"/>
+          </p:cNvPicPr>
+          <p:nvPr/>
+        </p:nvPicPr>
+        <p:blipFill>
+          <a:blip r:embed="rId2">
+            <a:extLst>
+              <a:ext uri="{28A0092B-C50C-407E-A947-70E740481C1C}">
+                <a14:useLocalDpi xmlns:a14="http://schemas.microsoft.com/office/drawing/2010/main" val="0"/>
+              </a:ext>
+            </a:extLst>
+          </a:blip>
+          <a:srcRect/>
+          <a:stretch>
+            <a:fillRect/>
+          </a:stretch>
+        </p:blipFill>
+        <p:spPr bwMode="auto">
+          <a:xfrm>
+            <a:off x="4788024" y="4082876"/>
+            <a:ext cx="4095750" cy="2730500"/>
+          </a:xfrm>
+          <a:prstGeom prst="rect">
+            <a:avLst/>
+          </a:prstGeom>
+          <a:noFill/>
+          <a:ln>
+            <a:noFill/>
+          </a:ln>
+          <a:effectLst/>
+          <a:extLst>
+            <a:ext uri="{909E8E84-426E-40DD-AFC4-6F175D3DCCD1}">
+              <a14:hiddenFill xmlns:a14="http://schemas.microsoft.com/office/drawing/2010/main">
+                <a:solidFill>
+                  <a:schemeClr val="accent1"/>
+                </a:solidFill>
+              </a14:hiddenFill>
+            </a:ext>
+            <a:ext uri="{91240B29-F687-4F45-9708-019B960494DF}">
+              <a14:hiddenLine xmlns:a14="http://schemas.microsoft.com/office/drawing/2010/main" w="9525">
+                <a:solidFill>
+                  <a:schemeClr val="tx1"/>
+                </a:solidFill>
+                <a:miter lim="800000"/>
+                <a:headEnd/>
+                <a:tailEnd/>
+              </a14:hiddenLine>
+            </a:ext>
+            <a:ext uri="{AF507438-7753-43E0-B8FC-AC1667EBCBE1}">
+              <a14:hiddenEffects xmlns:a14="http://schemas.microsoft.com/office/drawing/2010/main">
+                <a:effectLst>
+                  <a:outerShdw dist="35921" dir="2700000" algn="ctr" rotWithShape="0">
+                    <a:schemeClr val="bg2"/>
+                  </a:outerShdw>
+                </a:effectLst>
+              </a14:hiddenEffects>
+            </a:ext>
+          </a:extLst>
+        </p:spPr>
+      </p:pic>
     </p:spTree>
     <p:extLst>
       <p:ext uri="{BB962C8B-B14F-4D97-AF65-F5344CB8AC3E}">
-        <p14:creationId xmlns:p14="http://schemas.microsoft.com/office/powerpoint/2010/main" val="2375535783"/>
+        <p14:creationId xmlns:p14="http://schemas.microsoft.com/office/powerpoint/2010/main" val="756279592"/>
+      </p:ext>
+    </p:extLst>
+  </p:cSld>
+  <p:clrMapOvr>
+    <a:masterClrMapping/>
+  </p:clrMapOvr>
+  <p:timing>
+    <p:tnLst>
+      <p:par>
+        <p:cTn id="1" dur="indefinite" restart="never" nodeType="tmRoot"/>
+      </p:par>
+    </p:tnLst>
+  </p:timing>
+</p:sld>
+</file>
+
+<file path=ppt/slides/slide7.xml><?xml version="1.0" encoding="utf-8"?>
+<p:sld xmlns:a="http://schemas.openxmlformats.org/drawingml/2006/main" xmlns:r="http://schemas.openxmlformats.org/officeDocument/2006/relationships" xmlns:p="http://schemas.openxmlformats.org/presentationml/2006/main">
+  <p:cSld>
+    <p:spTree>
+      <p:nvGrpSpPr>
+        <p:cNvPr id="1" name=""/>
+        <p:cNvGrpSpPr/>
+        <p:nvPr/>
+      </p:nvGrpSpPr>
+      <p:grpSpPr>
+        <a:xfrm>
+          <a:off x="0" y="0"/>
+          <a:ext cx="0" cy="0"/>
+          <a:chOff x="0" y="0"/>
+          <a:chExt cx="0" cy="0"/>
+        </a:xfrm>
+      </p:grpSpPr>
+      <p:sp>
+        <p:nvSpPr>
+          <p:cNvPr id="2" name="標題 1"/>
+          <p:cNvSpPr>
+            <a:spLocks noGrp="1"/>
+          </p:cNvSpPr>
+          <p:nvPr>
+            <p:ph type="title"/>
+          </p:nvPr>
+        </p:nvSpPr>
+        <p:spPr/>
+        <p:txBody>
+          <a:bodyPr/>
+          <a:lstStyle/>
+          <a:p>
+            <a:r>
+              <a:rPr lang="en-US" altLang="zh-TW" dirty="0"/>
+              <a:t>Cordova</a:t>
+            </a:r>
+            <a:r>
+              <a:rPr lang="zh-TW" altLang="en-US" dirty="0"/>
+              <a:t>開發流程</a:t>
+            </a:r>
+          </a:p>
+        </p:txBody>
+      </p:sp>
+      <p:sp>
+        <p:nvSpPr>
+          <p:cNvPr id="3" name="內容版面配置區 2"/>
+          <p:cNvSpPr>
+            <a:spLocks noGrp="1"/>
+          </p:cNvSpPr>
+          <p:nvPr>
+            <p:ph idx="1"/>
+          </p:nvPr>
+        </p:nvSpPr>
+        <p:spPr/>
+        <p:txBody>
+          <a:bodyPr>
+            <a:normAutofit/>
+          </a:bodyPr>
+          <a:lstStyle/>
+          <a:p>
+            <a:r>
+              <a:rPr lang="zh-TW" altLang="en-US" dirty="0" smtClean="0"/>
+              <a:t>原生階段</a:t>
+            </a:r>
+            <a:endParaRPr lang="en-US" altLang="zh-TW" dirty="0" smtClean="0"/>
+          </a:p>
+          <a:p>
+            <a:pPr lvl="1"/>
+            <a:r>
+              <a:rPr lang="zh-TW" altLang="en-US" dirty="0"/>
+              <a:t>不同平台分別</a:t>
+            </a:r>
+            <a:r>
+              <a:rPr lang="zh-TW" altLang="en-US" dirty="0" smtClean="0"/>
+              <a:t>開發</a:t>
+            </a:r>
+            <a:endParaRPr lang="en-US" altLang="zh-TW" dirty="0" smtClean="0"/>
+          </a:p>
+          <a:p>
+            <a:pPr lvl="1"/>
+            <a:r>
+              <a:rPr lang="zh-TW" altLang="en-US" dirty="0"/>
+              <a:t>遵循草稿階段定下來</a:t>
+            </a:r>
+            <a:r>
+              <a:rPr lang="zh-TW" altLang="en-US" dirty="0" smtClean="0"/>
+              <a:t>的函數與變數</a:t>
+            </a:r>
+            <a:endParaRPr lang="en-US" altLang="zh-TW" dirty="0" smtClean="0"/>
+          </a:p>
+          <a:p>
+            <a:pPr lvl="1"/>
+            <a:r>
+              <a:rPr lang="zh-TW" altLang="en-US" dirty="0" smtClean="0"/>
+              <a:t>最後都必須回到</a:t>
+            </a:r>
+            <a:r>
+              <a:rPr lang="en-US" altLang="zh-TW" dirty="0" err="1" smtClean="0"/>
+              <a:t>CDVplugin</a:t>
+            </a:r>
+            <a:r>
+              <a:rPr lang="en-US" altLang="zh-TW" dirty="0" smtClean="0"/>
+              <a:t>, </a:t>
+            </a:r>
+            <a:r>
+              <a:rPr lang="zh-TW" altLang="en-US" dirty="0" smtClean="0"/>
+              <a:t>用</a:t>
+            </a:r>
+            <a:r>
+              <a:rPr lang="en-US" altLang="zh-TW" dirty="0" smtClean="0"/>
+              <a:t>callback</a:t>
+            </a:r>
+            <a:r>
+              <a:rPr lang="zh-TW" altLang="en-US" dirty="0" smtClean="0"/>
+              <a:t>回傳資料</a:t>
+            </a:r>
+            <a:endParaRPr lang="en-US" altLang="zh-TW" dirty="0" smtClean="0"/>
+          </a:p>
+          <a:p>
+            <a:pPr lvl="2"/>
+            <a:r>
+              <a:rPr lang="en-US" altLang="zh-TW" dirty="0" smtClean="0"/>
+              <a:t>Android</a:t>
+            </a:r>
+          </a:p>
+          <a:p>
+            <a:pPr lvl="3"/>
+            <a:r>
+              <a:rPr lang="en-US" altLang="zh-TW" dirty="0" err="1" smtClean="0"/>
+              <a:t>PluginResult</a:t>
+            </a:r>
+            <a:endParaRPr lang="en-US" altLang="zh-TW" dirty="0"/>
+          </a:p>
+          <a:p>
+            <a:pPr lvl="2"/>
+            <a:endParaRPr lang="en-US" altLang="zh-TW" dirty="0" smtClean="0"/>
+          </a:p>
+          <a:p>
+            <a:pPr lvl="2"/>
+            <a:r>
+              <a:rPr lang="en-US" altLang="zh-TW" dirty="0" err="1" smtClean="0"/>
+              <a:t>iOS</a:t>
+            </a:r>
+            <a:endParaRPr lang="en-US" altLang="zh-TW" dirty="0" smtClean="0"/>
+          </a:p>
+          <a:p>
+            <a:pPr lvl="3"/>
+            <a:r>
+              <a:rPr lang="en-US" altLang="zh-TW" dirty="0" err="1" smtClean="0"/>
+              <a:t>CDVPluginResult</a:t>
+            </a:r>
+            <a:endParaRPr lang="en-US" altLang="zh-TW" dirty="0" smtClean="0"/>
+          </a:p>
+          <a:p>
+            <a:pPr lvl="2"/>
+            <a:endParaRPr lang="en-US" altLang="zh-TW" dirty="0" smtClean="0"/>
+          </a:p>
+          <a:p>
+            <a:pPr lvl="2"/>
+            <a:endParaRPr lang="zh-TW" altLang="en-US" dirty="0"/>
+          </a:p>
+        </p:txBody>
+      </p:sp>
+      <p:pic>
+        <p:nvPicPr>
+          <p:cNvPr id="3074" name="Picture 2"/>
+          <p:cNvPicPr>
+            <a:picLocks noChangeAspect="1" noChangeArrowheads="1"/>
+          </p:cNvPicPr>
+          <p:nvPr/>
+        </p:nvPicPr>
+        <p:blipFill>
+          <a:blip r:embed="rId2">
+            <a:extLst>
+              <a:ext uri="{28A0092B-C50C-407E-A947-70E740481C1C}">
+                <a14:useLocalDpi xmlns:a14="http://schemas.microsoft.com/office/drawing/2010/main" val="0"/>
+              </a:ext>
+            </a:extLst>
+          </a:blip>
+          <a:srcRect/>
+          <a:stretch>
+            <a:fillRect/>
+          </a:stretch>
+        </p:blipFill>
+        <p:spPr bwMode="auto">
+          <a:xfrm>
+            <a:off x="1688503" y="4509120"/>
+            <a:ext cx="5181600" cy="527050"/>
+          </a:xfrm>
+          <a:prstGeom prst="rect">
+            <a:avLst/>
+          </a:prstGeom>
+          <a:noFill/>
+          <a:ln>
+            <a:noFill/>
+          </a:ln>
+          <a:effectLst/>
+          <a:extLst>
+            <a:ext uri="{909E8E84-426E-40DD-AFC4-6F175D3DCCD1}">
+              <a14:hiddenFill xmlns:a14="http://schemas.microsoft.com/office/drawing/2010/main">
+                <a:solidFill>
+                  <a:schemeClr val="accent1"/>
+                </a:solidFill>
+              </a14:hiddenFill>
+            </a:ext>
+            <a:ext uri="{91240B29-F687-4F45-9708-019B960494DF}">
+              <a14:hiddenLine xmlns:a14="http://schemas.microsoft.com/office/drawing/2010/main" w="9525">
+                <a:solidFill>
+                  <a:schemeClr val="tx1"/>
+                </a:solidFill>
+                <a:miter lim="800000"/>
+                <a:headEnd/>
+                <a:tailEnd/>
+              </a14:hiddenLine>
+            </a:ext>
+            <a:ext uri="{AF507438-7753-43E0-B8FC-AC1667EBCBE1}">
+              <a14:hiddenEffects xmlns:a14="http://schemas.microsoft.com/office/drawing/2010/main">
+                <a:effectLst>
+                  <a:outerShdw dist="35921" dir="2700000" algn="ctr" rotWithShape="0">
+                    <a:schemeClr val="bg2"/>
+                  </a:outerShdw>
+                </a:effectLst>
+              </a14:hiddenEffects>
+            </a:ext>
+          </a:extLst>
+        </p:spPr>
+      </p:pic>
+      <p:pic>
+        <p:nvPicPr>
+          <p:cNvPr id="3075" name="Picture 3"/>
+          <p:cNvPicPr>
+            <a:picLocks noChangeAspect="1" noChangeArrowheads="1"/>
+          </p:cNvPicPr>
+          <p:nvPr/>
+        </p:nvPicPr>
+        <p:blipFill>
+          <a:blip r:embed="rId3">
+            <a:extLst>
+              <a:ext uri="{28A0092B-C50C-407E-A947-70E740481C1C}">
+                <a14:useLocalDpi xmlns:a14="http://schemas.microsoft.com/office/drawing/2010/main" val="0"/>
+              </a:ext>
+            </a:extLst>
+          </a:blip>
+          <a:srcRect/>
+          <a:stretch>
+            <a:fillRect/>
+          </a:stretch>
+        </p:blipFill>
+        <p:spPr bwMode="auto">
+          <a:xfrm>
+            <a:off x="1695638" y="5805264"/>
+            <a:ext cx="6470650" cy="939800"/>
+          </a:xfrm>
+          <a:prstGeom prst="rect">
+            <a:avLst/>
+          </a:prstGeom>
+          <a:noFill/>
+          <a:ln>
+            <a:noFill/>
+          </a:ln>
+          <a:effectLst/>
+          <a:extLst>
+            <a:ext uri="{909E8E84-426E-40DD-AFC4-6F175D3DCCD1}">
+              <a14:hiddenFill xmlns:a14="http://schemas.microsoft.com/office/drawing/2010/main">
+                <a:solidFill>
+                  <a:schemeClr val="accent1"/>
+                </a:solidFill>
+              </a14:hiddenFill>
+            </a:ext>
+            <a:ext uri="{91240B29-F687-4F45-9708-019B960494DF}">
+              <a14:hiddenLine xmlns:a14="http://schemas.microsoft.com/office/drawing/2010/main" w="9525">
+                <a:solidFill>
+                  <a:schemeClr val="tx1"/>
+                </a:solidFill>
+                <a:miter lim="800000"/>
+                <a:headEnd/>
+                <a:tailEnd/>
+              </a14:hiddenLine>
+            </a:ext>
+            <a:ext uri="{AF507438-7753-43E0-B8FC-AC1667EBCBE1}">
+              <a14:hiddenEffects xmlns:a14="http://schemas.microsoft.com/office/drawing/2010/main">
+                <a:effectLst>
+                  <a:outerShdw dist="35921" dir="2700000" algn="ctr" rotWithShape="0">
+                    <a:schemeClr val="bg2"/>
+                  </a:outerShdw>
+                </a:effectLst>
+              </a14:hiddenEffects>
+            </a:ext>
+          </a:extLst>
+        </p:spPr>
+      </p:pic>
+    </p:spTree>
+    <p:extLst>
+      <p:ext uri="{BB962C8B-B14F-4D97-AF65-F5344CB8AC3E}">
+        <p14:creationId xmlns:p14="http://schemas.microsoft.com/office/powerpoint/2010/main" val="2040800514"/>
+      </p:ext>
+    </p:extLst>
+  </p:cSld>
+  <p:clrMapOvr>
+    <a:masterClrMapping/>
+  </p:clrMapOvr>
+  <p:timing>
+    <p:tnLst>
+      <p:par>
+        <p:cTn id="1" dur="indefinite" restart="never" nodeType="tmRoot"/>
+      </p:par>
+    </p:tnLst>
+  </p:timing>
+</p:sld>
+</file>
+
+<file path=ppt/slides/slide8.xml><?xml version="1.0" encoding="utf-8"?>
+<p:sld xmlns:a="http://schemas.openxmlformats.org/drawingml/2006/main" xmlns:r="http://schemas.openxmlformats.org/officeDocument/2006/relationships" xmlns:p="http://schemas.openxmlformats.org/presentationml/2006/main">
+  <p:cSld>
+    <p:spTree>
+      <p:nvGrpSpPr>
+        <p:cNvPr id="1" name=""/>
+        <p:cNvGrpSpPr/>
+        <p:nvPr/>
+      </p:nvGrpSpPr>
+      <p:grpSpPr>
+        <a:xfrm>
+          <a:off x="0" y="0"/>
+          <a:ext cx="0" cy="0"/>
+          <a:chOff x="0" y="0"/>
+          <a:chExt cx="0" cy="0"/>
+        </a:xfrm>
+      </p:grpSpPr>
+      <p:sp>
+        <p:nvSpPr>
+          <p:cNvPr id="2" name="標題 1"/>
+          <p:cNvSpPr>
+            <a:spLocks noGrp="1"/>
+          </p:cNvSpPr>
+          <p:nvPr>
+            <p:ph type="title"/>
+          </p:nvPr>
+        </p:nvSpPr>
+        <p:spPr/>
+        <p:txBody>
+          <a:bodyPr/>
+          <a:lstStyle/>
+          <a:p>
+            <a:r>
+              <a:rPr lang="en-US" altLang="zh-TW" dirty="0" err="1" smtClean="0"/>
+              <a:t>PluginResult</a:t>
+            </a:r>
+            <a:endParaRPr lang="zh-TW" altLang="en-US" dirty="0"/>
+          </a:p>
+        </p:txBody>
+      </p:sp>
+      <p:sp>
+        <p:nvSpPr>
+          <p:cNvPr id="3" name="內容版面配置區 2"/>
+          <p:cNvSpPr>
+            <a:spLocks noGrp="1"/>
+          </p:cNvSpPr>
+          <p:nvPr>
+            <p:ph idx="1"/>
+          </p:nvPr>
+        </p:nvSpPr>
+        <p:spPr/>
+        <p:txBody>
+          <a:bodyPr/>
+          <a:lstStyle/>
+          <a:p>
+            <a:r>
+              <a:rPr lang="zh-TW" altLang="en-US" dirty="0" smtClean="0"/>
+              <a:t>每一個</a:t>
+            </a:r>
+            <a:r>
+              <a:rPr lang="en-US" altLang="zh-TW" dirty="0" err="1" smtClean="0"/>
+              <a:t>cordova</a:t>
+            </a:r>
+            <a:r>
+              <a:rPr lang="en-US" altLang="zh-TW" dirty="0" smtClean="0"/>
+              <a:t> command</a:t>
+            </a:r>
+          </a:p>
+          <a:p>
+            <a:pPr lvl="1"/>
+            <a:r>
+              <a:rPr lang="zh-TW" altLang="en-US" dirty="0" smtClean="0"/>
+              <a:t>都有一個獨特的</a:t>
+            </a:r>
+            <a:r>
+              <a:rPr lang="en-US" altLang="zh-TW" dirty="0" err="1" smtClean="0"/>
+              <a:t>callbackId</a:t>
+            </a:r>
+            <a:r>
+              <a:rPr lang="zh-TW" altLang="en-US" dirty="0" smtClean="0"/>
+              <a:t>與</a:t>
+            </a:r>
+            <a:r>
+              <a:rPr lang="en-US" altLang="zh-TW" dirty="0" err="1" smtClean="0"/>
+              <a:t>callbackcontent</a:t>
+            </a:r>
+            <a:endParaRPr lang="en-US" altLang="zh-TW" dirty="0" smtClean="0"/>
+          </a:p>
+          <a:p>
+            <a:pPr lvl="2"/>
+            <a:r>
+              <a:rPr lang="en-US" altLang="zh-TW" dirty="0" smtClean="0"/>
+              <a:t>Android: </a:t>
+            </a:r>
+            <a:r>
+              <a:rPr lang="en-US" altLang="zh-TW" dirty="0" err="1" smtClean="0"/>
+              <a:t>callbackcontent</a:t>
+            </a:r>
+            <a:endParaRPr lang="en-US" altLang="zh-TW" dirty="0" smtClean="0"/>
+          </a:p>
+          <a:p>
+            <a:pPr lvl="2"/>
+            <a:r>
+              <a:rPr lang="en-US" altLang="zh-TW" dirty="0" err="1" smtClean="0"/>
+              <a:t>iOS</a:t>
+            </a:r>
+            <a:r>
+              <a:rPr lang="en-US" altLang="zh-TW" dirty="0" smtClean="0"/>
+              <a:t>: </a:t>
+            </a:r>
+            <a:r>
+              <a:rPr lang="en-US" altLang="zh-TW" dirty="0" err="1" smtClean="0"/>
+              <a:t>callbackId</a:t>
+            </a:r>
+            <a:endParaRPr lang="en-US" altLang="zh-TW" dirty="0" smtClean="0"/>
+          </a:p>
+          <a:p>
+            <a:pPr lvl="1"/>
+            <a:r>
+              <a:rPr lang="zh-TW" altLang="en-US" dirty="0" smtClean="0"/>
+              <a:t>同一個</a:t>
+            </a:r>
+            <a:r>
+              <a:rPr lang="en-US" altLang="zh-TW" dirty="0" err="1" smtClean="0"/>
+              <a:t>callbackId</a:t>
+            </a:r>
+            <a:r>
+              <a:rPr lang="zh-TW" altLang="en-US" dirty="0" smtClean="0"/>
+              <a:t>可重複利用</a:t>
+            </a:r>
+            <a:endParaRPr lang="en-US" altLang="zh-TW" dirty="0" smtClean="0"/>
+          </a:p>
+          <a:p>
+            <a:pPr lvl="1"/>
+            <a:r>
+              <a:rPr lang="zh-TW" altLang="en-US" dirty="0" smtClean="0"/>
+              <a:t>決定要使用哪一個</a:t>
+            </a:r>
+            <a:r>
+              <a:rPr lang="en-US" altLang="zh-TW" dirty="0" smtClean="0"/>
+              <a:t>exec</a:t>
+            </a:r>
+            <a:r>
+              <a:rPr lang="zh-TW" altLang="en-US" dirty="0" smtClean="0"/>
+              <a:t>的</a:t>
+            </a:r>
+            <a:r>
+              <a:rPr lang="en-US" altLang="zh-TW" dirty="0" err="1" smtClean="0"/>
+              <a:t>successCallback</a:t>
+            </a:r>
+            <a:endParaRPr lang="en-US" altLang="zh-TW" dirty="0" smtClean="0"/>
+          </a:p>
+          <a:p>
+            <a:endParaRPr lang="en-US" altLang="zh-TW" dirty="0" smtClean="0"/>
+          </a:p>
+        </p:txBody>
+      </p:sp>
+    </p:spTree>
+    <p:extLst>
+      <p:ext uri="{BB962C8B-B14F-4D97-AF65-F5344CB8AC3E}">
+        <p14:creationId xmlns:p14="http://schemas.microsoft.com/office/powerpoint/2010/main" val="376105627"/>
+      </p:ext>
+    </p:extLst>
+  </p:cSld>
+  <p:clrMapOvr>
+    <a:masterClrMapping/>
+  </p:clrMapOvr>
+  <p:timing>
+    <p:tnLst>
+      <p:par>
+        <p:cTn id="1" dur="indefinite" restart="never" nodeType="tmRoot"/>
+      </p:par>
+    </p:tnLst>
+  </p:timing>
+</p:sld>
+</file>
+
+<file path=ppt/slides/slide9.xml><?xml version="1.0" encoding="utf-8"?>
+<p:sld xmlns:a="http://schemas.openxmlformats.org/drawingml/2006/main" xmlns:r="http://schemas.openxmlformats.org/officeDocument/2006/relationships" xmlns:p="http://schemas.openxmlformats.org/presentationml/2006/main">
+  <p:cSld>
+    <p:spTree>
+      <p:nvGrpSpPr>
+        <p:cNvPr id="1" name=""/>
+        <p:cNvGrpSpPr/>
+        <p:nvPr/>
+      </p:nvGrpSpPr>
+      <p:grpSpPr>
+        <a:xfrm>
+          <a:off x="0" y="0"/>
+          <a:ext cx="0" cy="0"/>
+          <a:chOff x="0" y="0"/>
+          <a:chExt cx="0" cy="0"/>
+        </a:xfrm>
+      </p:grpSpPr>
+      <p:sp>
+        <p:nvSpPr>
+          <p:cNvPr id="2" name="標題 1"/>
+          <p:cNvSpPr>
+            <a:spLocks noGrp="1"/>
+          </p:cNvSpPr>
+          <p:nvPr>
+            <p:ph type="title"/>
+          </p:nvPr>
+        </p:nvSpPr>
+        <p:spPr/>
+        <p:txBody>
+          <a:bodyPr/>
+          <a:lstStyle/>
+          <a:p>
+            <a:r>
+              <a:rPr lang="en-US" altLang="zh-TW" dirty="0" err="1"/>
+              <a:t>PluginResult</a:t>
+            </a:r>
+            <a:endParaRPr lang="zh-TW" altLang="en-US" dirty="0"/>
+          </a:p>
+        </p:txBody>
+      </p:sp>
+      <p:sp>
+        <p:nvSpPr>
+          <p:cNvPr id="3" name="內容版面配置區 2"/>
+          <p:cNvSpPr>
+            <a:spLocks noGrp="1"/>
+          </p:cNvSpPr>
+          <p:nvPr>
+            <p:ph idx="1"/>
+          </p:nvPr>
+        </p:nvSpPr>
+        <p:spPr/>
+        <p:txBody>
+          <a:bodyPr/>
+          <a:lstStyle/>
+          <a:p>
+            <a:r>
+              <a:rPr lang="zh-TW" altLang="en-US" dirty="0" smtClean="0"/>
+              <a:t>方法</a:t>
+            </a:r>
+            <a:r>
+              <a:rPr lang="en-US" altLang="zh-TW" dirty="0" smtClean="0"/>
+              <a:t>1: </a:t>
+            </a:r>
+            <a:r>
+              <a:rPr lang="zh-TW" altLang="en-US" dirty="0" smtClean="0"/>
+              <a:t>公用</a:t>
+            </a:r>
+            <a:r>
+              <a:rPr lang="en-US" altLang="zh-TW" dirty="0" smtClean="0"/>
+              <a:t>command</a:t>
+            </a:r>
+            <a:endParaRPr lang="zh-TW" altLang="en-US" dirty="0"/>
+          </a:p>
+        </p:txBody>
+      </p:sp>
+      <p:pic>
+        <p:nvPicPr>
+          <p:cNvPr id="5" name="圖片 4"/>
+          <p:cNvPicPr>
+            <a:picLocks noChangeAspect="1"/>
+          </p:cNvPicPr>
+          <p:nvPr/>
+        </p:nvPicPr>
+        <p:blipFill>
+          <a:blip r:embed="rId2">
+            <a:extLst>
+              <a:ext uri="{28A0092B-C50C-407E-A947-70E740481C1C}">
+                <a14:useLocalDpi xmlns:a14="http://schemas.microsoft.com/office/drawing/2010/main" val="0"/>
+              </a:ext>
+            </a:extLst>
+          </a:blip>
+          <a:stretch>
+            <a:fillRect/>
+          </a:stretch>
+        </p:blipFill>
+        <p:spPr>
+          <a:xfrm>
+            <a:off x="539551" y="2276872"/>
+            <a:ext cx="6936351" cy="4104456"/>
+          </a:xfrm>
+          <a:prstGeom prst="rect">
+            <a:avLst/>
+          </a:prstGeom>
+        </p:spPr>
+      </p:pic>
+    </p:spTree>
+    <p:extLst>
+      <p:ext uri="{BB962C8B-B14F-4D97-AF65-F5344CB8AC3E}">
+        <p14:creationId xmlns:p14="http://schemas.microsoft.com/office/powerpoint/2010/main" val="2810202018"/>
       </p:ext>
     </p:extLst>
   </p:cSld>
